--- a/python advanced/과제/과제 화면설계서 양식.pptx
+++ b/python advanced/과제/과제 화면설계서 양식.pptx
@@ -5,17 +5,18 @@
     <p:sldMasterId id="2147483648" r:id="rId1"/>
   </p:sldMasterIdLst>
   <p:notesMasterIdLst>
-    <p:notesMasterId r:id="rId7"/>
+    <p:notesMasterId r:id="rId8"/>
   </p:notesMasterIdLst>
   <p:handoutMasterIdLst>
-    <p:handoutMasterId r:id="rId8"/>
+    <p:handoutMasterId r:id="rId9"/>
   </p:handoutMasterIdLst>
   <p:sldIdLst>
     <p:sldId id="256" r:id="rId2"/>
     <p:sldId id="275" r:id="rId3"/>
-    <p:sldId id="277" r:id="rId4"/>
-    <p:sldId id="273" r:id="rId5"/>
-    <p:sldId id="274" r:id="rId6"/>
+    <p:sldId id="278" r:id="rId4"/>
+    <p:sldId id="277" r:id="rId5"/>
+    <p:sldId id="273" r:id="rId6"/>
+    <p:sldId id="274" r:id="rId7"/>
   </p:sldIdLst>
   <p:sldSz cx="12192000" cy="6858000"/>
   <p:notesSz cx="6797675" cy="9926638"/>
@@ -125,6 +126,7 @@
         <p14:section name="document History." id="{FF903505-45CE-4FDE-900C-B7F30543DFE6}">
           <p14:sldIdLst>
             <p14:sldId id="275"/>
+            <p14:sldId id="278"/>
             <p14:sldId id="277"/>
             <p14:sldId id="273"/>
             <p14:sldId id="274"/>
@@ -4159,7 +4161,7 @@
           <a:p>
             <a:fld id="{98FBB39A-9110-43FD-8DF2-684D1523A0BC}" type="datetime1">
               <a:rPr lang="ko-KR" altLang="en-US" smtClean="0"/>
-              <a:t>2023-03-23</a:t>
+              <a:t>2023-03-24</a:t>
             </a:fld>
             <a:endParaRPr lang="ko-KR" altLang="en-US"/>
           </a:p>
@@ -5179,7 +5181,7 @@
           </a:ln>
           <a:extLst>
             <a:ext uri="{C572A759-6A51-4108-AA02-DFA0A04FC94B}">
-              <ma14:wrappingTextBoxFlag xmlns="" xmlns:m="http://schemas.openxmlformats.org/officeDocument/2006/math" xmlns:a14="http://schemas.microsoft.com/office/drawing/2010/main" xmlns:ma14="http://schemas.microsoft.com/office/mac/drawingml/2011/main" val="1"/>
+              <ma14:wrappingTextBoxFlag xmlns:ma14="http://schemas.microsoft.com/office/mac/drawingml/2011/main" xmlns:a14="http://schemas.microsoft.com/office/drawing/2010/main" xmlns:m="http://schemas.openxmlformats.org/officeDocument/2006/math" xmlns="" val="1"/>
             </a:ext>
           </a:extLst>
         </p:spPr>
@@ -5282,7 +5284,7 @@
           </a:ln>
           <a:extLst>
             <a:ext uri="{C572A759-6A51-4108-AA02-DFA0A04FC94B}">
-              <ma14:wrappingTextBoxFlag xmlns="" xmlns:m="http://schemas.openxmlformats.org/officeDocument/2006/math" xmlns:a14="http://schemas.microsoft.com/office/drawing/2010/main" xmlns:ma14="http://schemas.microsoft.com/office/mac/drawingml/2011/main" val="1"/>
+              <ma14:wrappingTextBoxFlag xmlns:ma14="http://schemas.microsoft.com/office/mac/drawingml/2011/main" xmlns:a14="http://schemas.microsoft.com/office/drawing/2010/main" xmlns:m="http://schemas.openxmlformats.org/officeDocument/2006/math" xmlns="" val="1"/>
             </a:ext>
           </a:extLst>
         </p:spPr>
@@ -5384,7 +5386,7 @@
           </a:ln>
           <a:extLst>
             <a:ext uri="{C572A759-6A51-4108-AA02-DFA0A04FC94B}">
-              <ma14:wrappingTextBoxFlag xmlns="" xmlns:m="http://schemas.openxmlformats.org/officeDocument/2006/math" xmlns:a14="http://schemas.microsoft.com/office/drawing/2010/main" xmlns:ma14="http://schemas.microsoft.com/office/mac/drawingml/2011/main" val="1"/>
+              <ma14:wrappingTextBoxFlag xmlns:ma14="http://schemas.microsoft.com/office/mac/drawingml/2011/main" xmlns:a14="http://schemas.microsoft.com/office/drawing/2010/main" xmlns:m="http://schemas.openxmlformats.org/officeDocument/2006/math" xmlns="" val="1"/>
             </a:ext>
           </a:extLst>
         </p:spPr>
@@ -7241,6 +7243,2965 @@
           </a:p>
         </p:txBody>
       </p:sp>
+      <p:sp>
+        <p:nvSpPr>
+          <p:cNvPr id="6" name="순서도: 수행의 시작/종료 5">
+            <a:extLst>
+              <a:ext uri="{FF2B5EF4-FFF2-40B4-BE49-F238E27FC236}">
+                <a16:creationId xmlns:a16="http://schemas.microsoft.com/office/drawing/2014/main" id="{B7D46F69-1CA3-4F48-B383-30D303FFEABB}"/>
+              </a:ext>
+            </a:extLst>
+          </p:cNvPr>
+          <p:cNvSpPr/>
+          <p:nvPr/>
+        </p:nvSpPr>
+        <p:spPr>
+          <a:xfrm>
+            <a:off x="851837" y="1374727"/>
+            <a:ext cx="1160372" cy="282404"/>
+          </a:xfrm>
+          <a:prstGeom prst="flowChartTerminator">
+            <a:avLst/>
+          </a:prstGeom>
+          <a:solidFill>
+            <a:schemeClr val="bg1">
+              <a:lumMod val="85000"/>
+            </a:schemeClr>
+          </a:solidFill>
+          <a:ln w="19050">
+            <a:solidFill>
+              <a:schemeClr val="tx1">
+                <a:lumMod val="75000"/>
+                <a:lumOff val="25000"/>
+              </a:schemeClr>
+            </a:solidFill>
+          </a:ln>
+        </p:spPr>
+        <p:style>
+          <a:lnRef idx="2">
+            <a:schemeClr val="accent1">
+              <a:shade val="50000"/>
+            </a:schemeClr>
+          </a:lnRef>
+          <a:fillRef idx="1">
+            <a:schemeClr val="accent1"/>
+          </a:fillRef>
+          <a:effectRef idx="0">
+            <a:schemeClr val="accent1"/>
+          </a:effectRef>
+          <a:fontRef idx="minor">
+            <a:schemeClr val="lt1"/>
+          </a:fontRef>
+        </p:style>
+        <p:txBody>
+          <a:bodyPr rtlCol="0" anchor="ctr"/>
+          <a:lstStyle/>
+          <a:p>
+            <a:pPr algn="ctr"/>
+            <a:r>
+              <a:rPr lang="en-US" altLang="ko-KR" sz="800" dirty="0">
+                <a:solidFill>
+                  <a:schemeClr val="tx1"/>
+                </a:solidFill>
+              </a:rPr>
+              <a:t>START</a:t>
+            </a:r>
+            <a:endParaRPr lang="ko-KR" altLang="en-US" sz="800" dirty="0">
+              <a:solidFill>
+                <a:schemeClr val="tx1"/>
+              </a:solidFill>
+            </a:endParaRPr>
+          </a:p>
+        </p:txBody>
+      </p:sp>
+      <p:sp>
+        <p:nvSpPr>
+          <p:cNvPr id="7" name="순서도: 처리 6">
+            <a:extLst>
+              <a:ext uri="{FF2B5EF4-FFF2-40B4-BE49-F238E27FC236}">
+                <a16:creationId xmlns:a16="http://schemas.microsoft.com/office/drawing/2014/main" id="{B61B2F31-1FAE-4B5E-9F16-9334C3015BAC}"/>
+              </a:ext>
+            </a:extLst>
+          </p:cNvPr>
+          <p:cNvSpPr/>
+          <p:nvPr/>
+        </p:nvSpPr>
+        <p:spPr>
+          <a:xfrm>
+            <a:off x="851837" y="2034121"/>
+            <a:ext cx="1160372" cy="282404"/>
+          </a:xfrm>
+          <a:prstGeom prst="flowChartProcess">
+            <a:avLst/>
+          </a:prstGeom>
+          <a:solidFill>
+            <a:schemeClr val="bg1"/>
+          </a:solidFill>
+          <a:ln w="19050">
+            <a:solidFill>
+              <a:schemeClr val="tx1">
+                <a:lumMod val="75000"/>
+                <a:lumOff val="25000"/>
+              </a:schemeClr>
+            </a:solidFill>
+          </a:ln>
+        </p:spPr>
+        <p:style>
+          <a:lnRef idx="2">
+            <a:schemeClr val="accent1">
+              <a:shade val="50000"/>
+            </a:schemeClr>
+          </a:lnRef>
+          <a:fillRef idx="1">
+            <a:schemeClr val="accent1"/>
+          </a:fillRef>
+          <a:effectRef idx="0">
+            <a:schemeClr val="accent1"/>
+          </a:effectRef>
+          <a:fontRef idx="minor">
+            <a:schemeClr val="lt1"/>
+          </a:fontRef>
+        </p:style>
+        <p:txBody>
+          <a:bodyPr rtlCol="0" anchor="ctr"/>
+          <a:lstStyle/>
+          <a:p>
+            <a:pPr algn="ctr"/>
+            <a:r>
+              <a:rPr lang="en-US" altLang="ko-KR" sz="800" dirty="0">
+                <a:solidFill>
+                  <a:schemeClr val="tx1"/>
+                </a:solidFill>
+              </a:rPr>
+              <a:t>Process</a:t>
+            </a:r>
+            <a:endParaRPr lang="ko-KR" altLang="en-US" sz="800" dirty="0">
+              <a:solidFill>
+                <a:schemeClr val="tx1"/>
+              </a:solidFill>
+            </a:endParaRPr>
+          </a:p>
+        </p:txBody>
+      </p:sp>
+      <p:sp>
+        <p:nvSpPr>
+          <p:cNvPr id="8" name="순서도: 처리 7">
+            <a:extLst>
+              <a:ext uri="{FF2B5EF4-FFF2-40B4-BE49-F238E27FC236}">
+                <a16:creationId xmlns:a16="http://schemas.microsoft.com/office/drawing/2014/main" id="{BB96B924-4F71-423C-9A34-4C63C04D46CB}"/>
+              </a:ext>
+            </a:extLst>
+          </p:cNvPr>
+          <p:cNvSpPr/>
+          <p:nvPr/>
+        </p:nvSpPr>
+        <p:spPr>
+          <a:xfrm>
+            <a:off x="851837" y="2670871"/>
+            <a:ext cx="1160372" cy="282404"/>
+          </a:xfrm>
+          <a:prstGeom prst="flowChartProcess">
+            <a:avLst/>
+          </a:prstGeom>
+          <a:solidFill>
+            <a:schemeClr val="bg1"/>
+          </a:solidFill>
+          <a:ln w="19050">
+            <a:solidFill>
+              <a:schemeClr val="tx1">
+                <a:lumMod val="75000"/>
+                <a:lumOff val="25000"/>
+              </a:schemeClr>
+            </a:solidFill>
+          </a:ln>
+        </p:spPr>
+        <p:style>
+          <a:lnRef idx="2">
+            <a:schemeClr val="accent1">
+              <a:shade val="50000"/>
+            </a:schemeClr>
+          </a:lnRef>
+          <a:fillRef idx="1">
+            <a:schemeClr val="accent1"/>
+          </a:fillRef>
+          <a:effectRef idx="0">
+            <a:schemeClr val="accent1"/>
+          </a:effectRef>
+          <a:fontRef idx="minor">
+            <a:schemeClr val="lt1"/>
+          </a:fontRef>
+        </p:style>
+        <p:txBody>
+          <a:bodyPr rtlCol="0" anchor="ctr"/>
+          <a:lstStyle/>
+          <a:p>
+            <a:pPr algn="ctr"/>
+            <a:r>
+              <a:rPr lang="en-US" altLang="ko-KR" sz="800" dirty="0">
+                <a:solidFill>
+                  <a:schemeClr val="tx1"/>
+                </a:solidFill>
+              </a:rPr>
+              <a:t>Process</a:t>
+            </a:r>
+            <a:endParaRPr lang="ko-KR" altLang="en-US" sz="800" dirty="0">
+              <a:solidFill>
+                <a:schemeClr val="tx1"/>
+              </a:solidFill>
+            </a:endParaRPr>
+          </a:p>
+        </p:txBody>
+      </p:sp>
+      <p:sp>
+        <p:nvSpPr>
+          <p:cNvPr id="9" name="순서도: 처리 8">
+            <a:extLst>
+              <a:ext uri="{FF2B5EF4-FFF2-40B4-BE49-F238E27FC236}">
+                <a16:creationId xmlns:a16="http://schemas.microsoft.com/office/drawing/2014/main" id="{96A6B14E-E90E-4B43-A3BD-28851575D769}"/>
+              </a:ext>
+            </a:extLst>
+          </p:cNvPr>
+          <p:cNvSpPr/>
+          <p:nvPr/>
+        </p:nvSpPr>
+        <p:spPr>
+          <a:xfrm>
+            <a:off x="851837" y="3393889"/>
+            <a:ext cx="1160372" cy="282404"/>
+          </a:xfrm>
+          <a:prstGeom prst="flowChartProcess">
+            <a:avLst/>
+          </a:prstGeom>
+          <a:solidFill>
+            <a:schemeClr val="bg1"/>
+          </a:solidFill>
+          <a:ln w="19050">
+            <a:solidFill>
+              <a:schemeClr val="tx1">
+                <a:lumMod val="75000"/>
+                <a:lumOff val="25000"/>
+              </a:schemeClr>
+            </a:solidFill>
+          </a:ln>
+        </p:spPr>
+        <p:style>
+          <a:lnRef idx="2">
+            <a:schemeClr val="accent1">
+              <a:shade val="50000"/>
+            </a:schemeClr>
+          </a:lnRef>
+          <a:fillRef idx="1">
+            <a:schemeClr val="accent1"/>
+          </a:fillRef>
+          <a:effectRef idx="0">
+            <a:schemeClr val="accent1"/>
+          </a:effectRef>
+          <a:fontRef idx="minor">
+            <a:schemeClr val="lt1"/>
+          </a:fontRef>
+        </p:style>
+        <p:txBody>
+          <a:bodyPr rtlCol="0" anchor="ctr"/>
+          <a:lstStyle/>
+          <a:p>
+            <a:pPr algn="ctr"/>
+            <a:r>
+              <a:rPr lang="en-US" altLang="ko-KR" sz="800" dirty="0">
+                <a:solidFill>
+                  <a:schemeClr val="tx1"/>
+                </a:solidFill>
+              </a:rPr>
+              <a:t>Process</a:t>
+            </a:r>
+            <a:endParaRPr lang="ko-KR" altLang="en-US" sz="800" dirty="0">
+              <a:solidFill>
+                <a:schemeClr val="tx1"/>
+              </a:solidFill>
+            </a:endParaRPr>
+          </a:p>
+        </p:txBody>
+      </p:sp>
+      <p:sp>
+        <p:nvSpPr>
+          <p:cNvPr id="10" name="순서도: 판단 9">
+            <a:extLst>
+              <a:ext uri="{FF2B5EF4-FFF2-40B4-BE49-F238E27FC236}">
+                <a16:creationId xmlns:a16="http://schemas.microsoft.com/office/drawing/2014/main" id="{C07A0973-7A51-4E56-927B-66B2A3E6F2B9}"/>
+              </a:ext>
+            </a:extLst>
+          </p:cNvPr>
+          <p:cNvSpPr/>
+          <p:nvPr/>
+        </p:nvSpPr>
+        <p:spPr>
+          <a:xfrm>
+            <a:off x="851837" y="4036208"/>
+            <a:ext cx="1160372" cy="282404"/>
+          </a:xfrm>
+          <a:prstGeom prst="flowChartDecision">
+            <a:avLst/>
+          </a:prstGeom>
+          <a:solidFill>
+            <a:schemeClr val="bg1"/>
+          </a:solidFill>
+          <a:ln w="19050">
+            <a:solidFill>
+              <a:schemeClr val="tx1">
+                <a:lumMod val="75000"/>
+                <a:lumOff val="25000"/>
+              </a:schemeClr>
+            </a:solidFill>
+          </a:ln>
+        </p:spPr>
+        <p:style>
+          <a:lnRef idx="2">
+            <a:schemeClr val="accent1">
+              <a:shade val="50000"/>
+            </a:schemeClr>
+          </a:lnRef>
+          <a:fillRef idx="1">
+            <a:schemeClr val="accent1"/>
+          </a:fillRef>
+          <a:effectRef idx="0">
+            <a:schemeClr val="accent1"/>
+          </a:effectRef>
+          <a:fontRef idx="minor">
+            <a:schemeClr val="lt1"/>
+          </a:fontRef>
+        </p:style>
+        <p:txBody>
+          <a:bodyPr rtlCol="0" anchor="ctr"/>
+          <a:lstStyle/>
+          <a:p>
+            <a:pPr algn="ctr"/>
+            <a:r>
+              <a:rPr lang="en-US" altLang="ko-KR" sz="800" dirty="0">
+                <a:solidFill>
+                  <a:schemeClr val="tx1"/>
+                </a:solidFill>
+              </a:rPr>
+              <a:t>logic</a:t>
+            </a:r>
+            <a:endParaRPr lang="ko-KR" altLang="en-US" sz="800" dirty="0">
+              <a:solidFill>
+                <a:schemeClr val="tx1"/>
+              </a:solidFill>
+            </a:endParaRPr>
+          </a:p>
+        </p:txBody>
+      </p:sp>
+      <p:cxnSp>
+        <p:nvCxnSpPr>
+          <p:cNvPr id="15" name="직선 화살표 연결선 14">
+            <a:extLst>
+              <a:ext uri="{FF2B5EF4-FFF2-40B4-BE49-F238E27FC236}">
+                <a16:creationId xmlns:a16="http://schemas.microsoft.com/office/drawing/2014/main" id="{3EDA3593-F331-4B43-B8B1-68EE7CADE1D7}"/>
+              </a:ext>
+            </a:extLst>
+          </p:cNvPr>
+          <p:cNvCxnSpPr>
+            <a:stCxn id="6" idx="2"/>
+            <a:endCxn id="7" idx="0"/>
+          </p:cNvCxnSpPr>
+          <p:nvPr/>
+        </p:nvCxnSpPr>
+        <p:spPr>
+          <a:xfrm>
+            <a:off x="1432023" y="1657131"/>
+            <a:ext cx="0" cy="376990"/>
+          </a:xfrm>
+          <a:prstGeom prst="straightConnector1">
+            <a:avLst/>
+          </a:prstGeom>
+          <a:ln>
+            <a:solidFill>
+              <a:schemeClr val="tx1">
+                <a:lumMod val="75000"/>
+                <a:lumOff val="25000"/>
+              </a:schemeClr>
+            </a:solidFill>
+            <a:headEnd type="oval" w="med" len="med"/>
+            <a:tailEnd type="arrow" w="sm" len="sm"/>
+          </a:ln>
+        </p:spPr>
+        <p:style>
+          <a:lnRef idx="1">
+            <a:schemeClr val="accent1"/>
+          </a:lnRef>
+          <a:fillRef idx="0">
+            <a:schemeClr val="accent1"/>
+          </a:fillRef>
+          <a:effectRef idx="0">
+            <a:schemeClr val="accent1"/>
+          </a:effectRef>
+          <a:fontRef idx="minor">
+            <a:schemeClr val="tx1"/>
+          </a:fontRef>
+        </p:style>
+      </p:cxnSp>
+      <p:cxnSp>
+        <p:nvCxnSpPr>
+          <p:cNvPr id="16" name="직선 화살표 연결선 15">
+            <a:extLst>
+              <a:ext uri="{FF2B5EF4-FFF2-40B4-BE49-F238E27FC236}">
+                <a16:creationId xmlns:a16="http://schemas.microsoft.com/office/drawing/2014/main" id="{CE91D1FC-6AC8-4858-8642-44C8273A5620}"/>
+              </a:ext>
+            </a:extLst>
+          </p:cNvPr>
+          <p:cNvCxnSpPr>
+            <a:cxnSpLocks/>
+            <a:stCxn id="7" idx="2"/>
+            <a:endCxn id="8" idx="0"/>
+          </p:cNvCxnSpPr>
+          <p:nvPr/>
+        </p:nvCxnSpPr>
+        <p:spPr>
+          <a:xfrm>
+            <a:off x="1432023" y="2316525"/>
+            <a:ext cx="0" cy="354346"/>
+          </a:xfrm>
+          <a:prstGeom prst="straightConnector1">
+            <a:avLst/>
+          </a:prstGeom>
+          <a:ln>
+            <a:solidFill>
+              <a:schemeClr val="tx1">
+                <a:lumMod val="75000"/>
+                <a:lumOff val="25000"/>
+              </a:schemeClr>
+            </a:solidFill>
+            <a:headEnd type="oval" w="med" len="med"/>
+            <a:tailEnd type="arrow" w="sm" len="sm"/>
+          </a:ln>
+        </p:spPr>
+        <p:style>
+          <a:lnRef idx="1">
+            <a:schemeClr val="accent1"/>
+          </a:lnRef>
+          <a:fillRef idx="0">
+            <a:schemeClr val="accent1"/>
+          </a:fillRef>
+          <a:effectRef idx="0">
+            <a:schemeClr val="accent1"/>
+          </a:effectRef>
+          <a:fontRef idx="minor">
+            <a:schemeClr val="tx1"/>
+          </a:fontRef>
+        </p:style>
+      </p:cxnSp>
+      <p:cxnSp>
+        <p:nvCxnSpPr>
+          <p:cNvPr id="19" name="직선 화살표 연결선 18">
+            <a:extLst>
+              <a:ext uri="{FF2B5EF4-FFF2-40B4-BE49-F238E27FC236}">
+                <a16:creationId xmlns:a16="http://schemas.microsoft.com/office/drawing/2014/main" id="{0E9A8199-D075-4EE7-BBA9-F3BB9CDC05FE}"/>
+              </a:ext>
+            </a:extLst>
+          </p:cNvPr>
+          <p:cNvCxnSpPr>
+            <a:cxnSpLocks/>
+            <a:endCxn id="9" idx="0"/>
+          </p:cNvCxnSpPr>
+          <p:nvPr/>
+        </p:nvCxnSpPr>
+        <p:spPr>
+          <a:xfrm>
+            <a:off x="1429915" y="2950634"/>
+            <a:ext cx="2108" cy="443255"/>
+          </a:xfrm>
+          <a:prstGeom prst="straightConnector1">
+            <a:avLst/>
+          </a:prstGeom>
+          <a:ln>
+            <a:solidFill>
+              <a:schemeClr val="tx1">
+                <a:lumMod val="75000"/>
+                <a:lumOff val="25000"/>
+              </a:schemeClr>
+            </a:solidFill>
+            <a:headEnd type="oval" w="med" len="med"/>
+            <a:tailEnd type="arrow" w="sm" len="sm"/>
+          </a:ln>
+        </p:spPr>
+        <p:style>
+          <a:lnRef idx="1">
+            <a:schemeClr val="accent1"/>
+          </a:lnRef>
+          <a:fillRef idx="0">
+            <a:schemeClr val="accent1"/>
+          </a:fillRef>
+          <a:effectRef idx="0">
+            <a:schemeClr val="accent1"/>
+          </a:effectRef>
+          <a:fontRef idx="minor">
+            <a:schemeClr val="tx1"/>
+          </a:fontRef>
+        </p:style>
+      </p:cxnSp>
+      <p:cxnSp>
+        <p:nvCxnSpPr>
+          <p:cNvPr id="22" name="직선 화살표 연결선 21">
+            <a:extLst>
+              <a:ext uri="{FF2B5EF4-FFF2-40B4-BE49-F238E27FC236}">
+                <a16:creationId xmlns:a16="http://schemas.microsoft.com/office/drawing/2014/main" id="{C8C94C72-50E0-4FEE-B332-62829B1B172C}"/>
+              </a:ext>
+            </a:extLst>
+          </p:cNvPr>
+          <p:cNvCxnSpPr>
+            <a:cxnSpLocks/>
+            <a:stCxn id="9" idx="2"/>
+            <a:endCxn id="10" idx="0"/>
+          </p:cNvCxnSpPr>
+          <p:nvPr/>
+        </p:nvCxnSpPr>
+        <p:spPr>
+          <a:xfrm>
+            <a:off x="1432023" y="3676293"/>
+            <a:ext cx="0" cy="359915"/>
+          </a:xfrm>
+          <a:prstGeom prst="straightConnector1">
+            <a:avLst/>
+          </a:prstGeom>
+          <a:ln>
+            <a:solidFill>
+              <a:schemeClr val="tx1">
+                <a:lumMod val="75000"/>
+                <a:lumOff val="25000"/>
+              </a:schemeClr>
+            </a:solidFill>
+            <a:headEnd type="oval" w="med" len="med"/>
+            <a:tailEnd type="arrow" w="sm" len="sm"/>
+          </a:ln>
+        </p:spPr>
+        <p:style>
+          <a:lnRef idx="1">
+            <a:schemeClr val="accent1"/>
+          </a:lnRef>
+          <a:fillRef idx="0">
+            <a:schemeClr val="accent1"/>
+          </a:fillRef>
+          <a:effectRef idx="0">
+            <a:schemeClr val="accent1"/>
+          </a:effectRef>
+          <a:fontRef idx="minor">
+            <a:schemeClr val="tx1"/>
+          </a:fontRef>
+        </p:style>
+      </p:cxnSp>
+      <p:sp>
+        <p:nvSpPr>
+          <p:cNvPr id="25" name="순서도: 처리 24">
+            <a:extLst>
+              <a:ext uri="{FF2B5EF4-FFF2-40B4-BE49-F238E27FC236}">
+                <a16:creationId xmlns:a16="http://schemas.microsoft.com/office/drawing/2014/main" id="{7D62639A-401C-41AD-AF3F-5BB6DF0C766F}"/>
+              </a:ext>
+            </a:extLst>
+          </p:cNvPr>
+          <p:cNvSpPr/>
+          <p:nvPr/>
+        </p:nvSpPr>
+        <p:spPr>
+          <a:xfrm>
+            <a:off x="851837" y="4692723"/>
+            <a:ext cx="1160372" cy="282404"/>
+          </a:xfrm>
+          <a:prstGeom prst="flowChartProcess">
+            <a:avLst/>
+          </a:prstGeom>
+          <a:solidFill>
+            <a:schemeClr val="bg1"/>
+          </a:solidFill>
+          <a:ln w="19050">
+            <a:solidFill>
+              <a:schemeClr val="tx1">
+                <a:lumMod val="75000"/>
+                <a:lumOff val="25000"/>
+              </a:schemeClr>
+            </a:solidFill>
+          </a:ln>
+        </p:spPr>
+        <p:style>
+          <a:lnRef idx="2">
+            <a:schemeClr val="accent1">
+              <a:shade val="50000"/>
+            </a:schemeClr>
+          </a:lnRef>
+          <a:fillRef idx="1">
+            <a:schemeClr val="accent1"/>
+          </a:fillRef>
+          <a:effectRef idx="0">
+            <a:schemeClr val="accent1"/>
+          </a:effectRef>
+          <a:fontRef idx="minor">
+            <a:schemeClr val="lt1"/>
+          </a:fontRef>
+        </p:style>
+        <p:txBody>
+          <a:bodyPr rtlCol="0" anchor="ctr"/>
+          <a:lstStyle/>
+          <a:p>
+            <a:pPr algn="ctr"/>
+            <a:r>
+              <a:rPr lang="en-US" altLang="ko-KR" sz="800" dirty="0">
+                <a:solidFill>
+                  <a:schemeClr val="tx1"/>
+                </a:solidFill>
+              </a:rPr>
+              <a:t>Process</a:t>
+            </a:r>
+            <a:endParaRPr lang="ko-KR" altLang="en-US" sz="800" dirty="0">
+              <a:solidFill>
+                <a:schemeClr val="tx1"/>
+              </a:solidFill>
+            </a:endParaRPr>
+          </a:p>
+        </p:txBody>
+      </p:sp>
+      <p:cxnSp>
+        <p:nvCxnSpPr>
+          <p:cNvPr id="26" name="직선 화살표 연결선 25">
+            <a:extLst>
+              <a:ext uri="{FF2B5EF4-FFF2-40B4-BE49-F238E27FC236}">
+                <a16:creationId xmlns:a16="http://schemas.microsoft.com/office/drawing/2014/main" id="{CA294CFD-6C69-4018-89C4-80F39A7FB85A}"/>
+              </a:ext>
+            </a:extLst>
+          </p:cNvPr>
+          <p:cNvCxnSpPr>
+            <a:cxnSpLocks/>
+            <a:stCxn id="10" idx="2"/>
+            <a:endCxn id="25" idx="0"/>
+          </p:cNvCxnSpPr>
+          <p:nvPr/>
+        </p:nvCxnSpPr>
+        <p:spPr>
+          <a:xfrm>
+            <a:off x="1432023" y="4318612"/>
+            <a:ext cx="0" cy="374111"/>
+          </a:xfrm>
+          <a:prstGeom prst="straightConnector1">
+            <a:avLst/>
+          </a:prstGeom>
+          <a:ln>
+            <a:solidFill>
+              <a:schemeClr val="tx1">
+                <a:lumMod val="75000"/>
+                <a:lumOff val="25000"/>
+              </a:schemeClr>
+            </a:solidFill>
+            <a:headEnd type="oval" w="med" len="med"/>
+            <a:tailEnd type="arrow" w="sm" len="sm"/>
+          </a:ln>
+        </p:spPr>
+        <p:style>
+          <a:lnRef idx="1">
+            <a:schemeClr val="accent1"/>
+          </a:lnRef>
+          <a:fillRef idx="0">
+            <a:schemeClr val="accent1"/>
+          </a:fillRef>
+          <a:effectRef idx="0">
+            <a:schemeClr val="accent1"/>
+          </a:effectRef>
+          <a:fontRef idx="minor">
+            <a:schemeClr val="tx1"/>
+          </a:fontRef>
+        </p:style>
+      </p:cxnSp>
+      <p:cxnSp>
+        <p:nvCxnSpPr>
+          <p:cNvPr id="30" name="연결선: 꺾임 29">
+            <a:extLst>
+              <a:ext uri="{FF2B5EF4-FFF2-40B4-BE49-F238E27FC236}">
+                <a16:creationId xmlns:a16="http://schemas.microsoft.com/office/drawing/2014/main" id="{68CC8553-9013-4D75-B8C1-5DDC1C9C11E4}"/>
+              </a:ext>
+            </a:extLst>
+          </p:cNvPr>
+          <p:cNvCxnSpPr>
+            <a:cxnSpLocks/>
+            <a:stCxn id="10" idx="3"/>
+            <a:endCxn id="8" idx="3"/>
+          </p:cNvCxnSpPr>
+          <p:nvPr/>
+        </p:nvCxnSpPr>
+        <p:spPr>
+          <a:xfrm flipV="1">
+            <a:off x="2012209" y="2812073"/>
+            <a:ext cx="12700" cy="1365337"/>
+          </a:xfrm>
+          <a:prstGeom prst="bentConnector3">
+            <a:avLst>
+              <a:gd name="adj1" fmla="val 1800000"/>
+            </a:avLst>
+          </a:prstGeom>
+          <a:ln>
+            <a:solidFill>
+              <a:schemeClr val="tx1">
+                <a:lumMod val="75000"/>
+                <a:lumOff val="25000"/>
+              </a:schemeClr>
+            </a:solidFill>
+            <a:headEnd type="oval" w="med" len="med"/>
+            <a:tailEnd type="arrow" w="sm" len="sm"/>
+          </a:ln>
+        </p:spPr>
+        <p:style>
+          <a:lnRef idx="1">
+            <a:schemeClr val="accent1"/>
+          </a:lnRef>
+          <a:fillRef idx="0">
+            <a:schemeClr val="accent1"/>
+          </a:fillRef>
+          <a:effectRef idx="0">
+            <a:schemeClr val="accent1"/>
+          </a:effectRef>
+          <a:fontRef idx="minor">
+            <a:schemeClr val="tx1"/>
+          </a:fontRef>
+        </p:style>
+      </p:cxnSp>
+      <p:sp>
+        <p:nvSpPr>
+          <p:cNvPr id="32" name="순서도: 연결자 31">
+            <a:extLst>
+              <a:ext uri="{FF2B5EF4-FFF2-40B4-BE49-F238E27FC236}">
+                <a16:creationId xmlns:a16="http://schemas.microsoft.com/office/drawing/2014/main" id="{783A7B31-4623-488F-8FF8-95A2871C8DFB}"/>
+              </a:ext>
+            </a:extLst>
+          </p:cNvPr>
+          <p:cNvSpPr/>
+          <p:nvPr/>
+        </p:nvSpPr>
+        <p:spPr>
+          <a:xfrm flipV="1">
+            <a:off x="1236677" y="5233934"/>
+            <a:ext cx="274444" cy="265438"/>
+          </a:xfrm>
+          <a:prstGeom prst="flowChartConnector">
+            <a:avLst/>
+          </a:prstGeom>
+          <a:solidFill>
+            <a:schemeClr val="tx1"/>
+          </a:solidFill>
+          <a:ln w="19050">
+            <a:noFill/>
+          </a:ln>
+        </p:spPr>
+        <p:style>
+          <a:lnRef idx="2">
+            <a:schemeClr val="accent1">
+              <a:shade val="50000"/>
+            </a:schemeClr>
+          </a:lnRef>
+          <a:fillRef idx="1">
+            <a:schemeClr val="accent1"/>
+          </a:fillRef>
+          <a:effectRef idx="0">
+            <a:schemeClr val="accent1"/>
+          </a:effectRef>
+          <a:fontRef idx="minor">
+            <a:schemeClr val="lt1"/>
+          </a:fontRef>
+        </p:style>
+        <p:txBody>
+          <a:bodyPr rtlCol="0" anchor="ctr"/>
+          <a:lstStyle/>
+          <a:p>
+            <a:pPr algn="ctr"/>
+            <a:endParaRPr lang="ko-KR" altLang="en-US" sz="800" dirty="0">
+              <a:solidFill>
+                <a:schemeClr val="tx1"/>
+              </a:solidFill>
+            </a:endParaRPr>
+          </a:p>
+        </p:txBody>
+      </p:sp>
+      <p:cxnSp>
+        <p:nvCxnSpPr>
+          <p:cNvPr id="33" name="직선 화살표 연결선 32">
+            <a:extLst>
+              <a:ext uri="{FF2B5EF4-FFF2-40B4-BE49-F238E27FC236}">
+                <a16:creationId xmlns:a16="http://schemas.microsoft.com/office/drawing/2014/main" id="{A93E967B-041B-401A-BD32-2734A2D55AD9}"/>
+              </a:ext>
+            </a:extLst>
+          </p:cNvPr>
+          <p:cNvCxnSpPr>
+            <a:cxnSpLocks/>
+            <a:stCxn id="25" idx="2"/>
+            <a:endCxn id="32" idx="4"/>
+          </p:cNvCxnSpPr>
+          <p:nvPr/>
+        </p:nvCxnSpPr>
+        <p:spPr>
+          <a:xfrm flipH="1">
+            <a:off x="1373899" y="4975127"/>
+            <a:ext cx="58124" cy="258807"/>
+          </a:xfrm>
+          <a:prstGeom prst="straightConnector1">
+            <a:avLst/>
+          </a:prstGeom>
+          <a:ln>
+            <a:solidFill>
+              <a:schemeClr val="tx1">
+                <a:lumMod val="75000"/>
+                <a:lumOff val="25000"/>
+              </a:schemeClr>
+            </a:solidFill>
+            <a:headEnd type="oval" w="med" len="med"/>
+            <a:tailEnd type="arrow" w="sm" len="sm"/>
+          </a:ln>
+        </p:spPr>
+        <p:style>
+          <a:lnRef idx="1">
+            <a:schemeClr val="accent1"/>
+          </a:lnRef>
+          <a:fillRef idx="0">
+            <a:schemeClr val="accent1"/>
+          </a:fillRef>
+          <a:effectRef idx="0">
+            <a:schemeClr val="accent1"/>
+          </a:effectRef>
+          <a:fontRef idx="minor">
+            <a:schemeClr val="tx1"/>
+          </a:fontRef>
+        </p:style>
+      </p:cxnSp>
+      <p:sp>
+        <p:nvSpPr>
+          <p:cNvPr id="36" name="순서도: 처리 35">
+            <a:extLst>
+              <a:ext uri="{FF2B5EF4-FFF2-40B4-BE49-F238E27FC236}">
+                <a16:creationId xmlns:a16="http://schemas.microsoft.com/office/drawing/2014/main" id="{B5D5819F-C982-46E6-934A-059377051FCE}"/>
+              </a:ext>
+            </a:extLst>
+          </p:cNvPr>
+          <p:cNvSpPr/>
+          <p:nvPr/>
+        </p:nvSpPr>
+        <p:spPr>
+          <a:xfrm>
+            <a:off x="3174563" y="1340768"/>
+            <a:ext cx="1008112" cy="245348"/>
+          </a:xfrm>
+          <a:prstGeom prst="flowChartProcess">
+            <a:avLst/>
+          </a:prstGeom>
+          <a:solidFill>
+            <a:schemeClr val="bg1"/>
+          </a:solidFill>
+          <a:ln w="19050">
+            <a:solidFill>
+              <a:schemeClr val="tx1">
+                <a:lumMod val="75000"/>
+                <a:lumOff val="25000"/>
+              </a:schemeClr>
+            </a:solidFill>
+          </a:ln>
+        </p:spPr>
+        <p:style>
+          <a:lnRef idx="2">
+            <a:schemeClr val="accent1">
+              <a:shade val="50000"/>
+            </a:schemeClr>
+          </a:lnRef>
+          <a:fillRef idx="1">
+            <a:schemeClr val="accent1"/>
+          </a:fillRef>
+          <a:effectRef idx="0">
+            <a:schemeClr val="accent1"/>
+          </a:effectRef>
+          <a:fontRef idx="minor">
+            <a:schemeClr val="lt1"/>
+          </a:fontRef>
+        </p:style>
+        <p:txBody>
+          <a:bodyPr rtlCol="0" anchor="ctr"/>
+          <a:lstStyle/>
+          <a:p>
+            <a:pPr algn="ctr"/>
+            <a:r>
+              <a:rPr lang="en-US" altLang="ko-KR" sz="800" dirty="0">
+                <a:solidFill>
+                  <a:schemeClr val="tx1"/>
+                </a:solidFill>
+              </a:rPr>
+              <a:t>Process</a:t>
+            </a:r>
+            <a:endParaRPr lang="ko-KR" altLang="en-US" sz="800" dirty="0">
+              <a:solidFill>
+                <a:schemeClr val="tx1"/>
+              </a:solidFill>
+            </a:endParaRPr>
+          </a:p>
+        </p:txBody>
+      </p:sp>
+      <p:cxnSp>
+        <p:nvCxnSpPr>
+          <p:cNvPr id="37" name="연결선: 꺾임 36">
+            <a:extLst>
+              <a:ext uri="{FF2B5EF4-FFF2-40B4-BE49-F238E27FC236}">
+                <a16:creationId xmlns:a16="http://schemas.microsoft.com/office/drawing/2014/main" id="{6ABEEE9A-14B0-4C7D-86D1-CB1D8DD628A0}"/>
+              </a:ext>
+            </a:extLst>
+          </p:cNvPr>
+          <p:cNvCxnSpPr>
+            <a:cxnSpLocks/>
+            <a:stCxn id="32" idx="6"/>
+            <a:endCxn id="36" idx="1"/>
+          </p:cNvCxnSpPr>
+          <p:nvPr/>
+        </p:nvCxnSpPr>
+        <p:spPr>
+          <a:xfrm flipV="1">
+            <a:off x="1511121" y="1463442"/>
+            <a:ext cx="1663442" cy="3903211"/>
+          </a:xfrm>
+          <a:prstGeom prst="bentConnector3">
+            <a:avLst>
+              <a:gd name="adj1" fmla="val 50000"/>
+            </a:avLst>
+          </a:prstGeom>
+          <a:ln>
+            <a:solidFill>
+              <a:schemeClr val="tx1">
+                <a:lumMod val="75000"/>
+                <a:lumOff val="25000"/>
+              </a:schemeClr>
+            </a:solidFill>
+            <a:headEnd type="oval" w="med" len="med"/>
+            <a:tailEnd type="arrow" w="sm" len="sm"/>
+          </a:ln>
+        </p:spPr>
+        <p:style>
+          <a:lnRef idx="1">
+            <a:schemeClr val="accent1"/>
+          </a:lnRef>
+          <a:fillRef idx="0">
+            <a:schemeClr val="accent1"/>
+          </a:fillRef>
+          <a:effectRef idx="0">
+            <a:schemeClr val="accent1"/>
+          </a:effectRef>
+          <a:fontRef idx="minor">
+            <a:schemeClr val="tx1"/>
+          </a:fontRef>
+        </p:style>
+      </p:cxnSp>
+      <p:sp>
+        <p:nvSpPr>
+          <p:cNvPr id="41" name="순서도: 수행의 시작/종료 40">
+            <a:extLst>
+              <a:ext uri="{FF2B5EF4-FFF2-40B4-BE49-F238E27FC236}">
+                <a16:creationId xmlns:a16="http://schemas.microsoft.com/office/drawing/2014/main" id="{8B0FC8EB-06DE-4FF4-9373-5A2D117A6FFE}"/>
+              </a:ext>
+            </a:extLst>
+          </p:cNvPr>
+          <p:cNvSpPr/>
+          <p:nvPr/>
+        </p:nvSpPr>
+        <p:spPr>
+          <a:xfrm>
+            <a:off x="7536160" y="1772816"/>
+            <a:ext cx="1008112" cy="245348"/>
+          </a:xfrm>
+          <a:prstGeom prst="flowChartTerminator">
+            <a:avLst/>
+          </a:prstGeom>
+          <a:solidFill>
+            <a:schemeClr val="bg1">
+              <a:lumMod val="85000"/>
+            </a:schemeClr>
+          </a:solidFill>
+          <a:ln w="19050">
+            <a:solidFill>
+              <a:schemeClr val="tx1">
+                <a:lumMod val="75000"/>
+                <a:lumOff val="25000"/>
+              </a:schemeClr>
+            </a:solidFill>
+          </a:ln>
+        </p:spPr>
+        <p:style>
+          <a:lnRef idx="2">
+            <a:schemeClr val="accent1">
+              <a:shade val="50000"/>
+            </a:schemeClr>
+          </a:lnRef>
+          <a:fillRef idx="1">
+            <a:schemeClr val="accent1"/>
+          </a:fillRef>
+          <a:effectRef idx="0">
+            <a:schemeClr val="accent1"/>
+          </a:effectRef>
+          <a:fontRef idx="minor">
+            <a:schemeClr val="lt1"/>
+          </a:fontRef>
+        </p:style>
+        <p:txBody>
+          <a:bodyPr rtlCol="0" anchor="ctr"/>
+          <a:lstStyle/>
+          <a:p>
+            <a:pPr algn="ctr"/>
+            <a:r>
+              <a:rPr lang="en-US" altLang="ko-KR" sz="800" dirty="0">
+                <a:solidFill>
+                  <a:schemeClr val="tx1"/>
+                </a:solidFill>
+              </a:rPr>
+              <a:t>END</a:t>
+            </a:r>
+            <a:endParaRPr lang="ko-KR" altLang="en-US" sz="800" dirty="0">
+              <a:solidFill>
+                <a:schemeClr val="tx1"/>
+              </a:solidFill>
+            </a:endParaRPr>
+          </a:p>
+        </p:txBody>
+      </p:sp>
+      <p:sp>
+        <p:nvSpPr>
+          <p:cNvPr id="42" name="순서도: 처리 41">
+            <a:extLst>
+              <a:ext uri="{FF2B5EF4-FFF2-40B4-BE49-F238E27FC236}">
+                <a16:creationId xmlns:a16="http://schemas.microsoft.com/office/drawing/2014/main" id="{7DC64F6D-1FA0-4B32-9430-E0D063BB9C92}"/>
+              </a:ext>
+            </a:extLst>
+          </p:cNvPr>
+          <p:cNvSpPr/>
+          <p:nvPr/>
+        </p:nvSpPr>
+        <p:spPr>
+          <a:xfrm>
+            <a:off x="3174563" y="1772816"/>
+            <a:ext cx="1008112" cy="245348"/>
+          </a:xfrm>
+          <a:prstGeom prst="flowChartProcess">
+            <a:avLst/>
+          </a:prstGeom>
+          <a:solidFill>
+            <a:schemeClr val="bg1"/>
+          </a:solidFill>
+          <a:ln w="19050">
+            <a:solidFill>
+              <a:schemeClr val="tx1">
+                <a:lumMod val="75000"/>
+                <a:lumOff val="25000"/>
+              </a:schemeClr>
+            </a:solidFill>
+          </a:ln>
+        </p:spPr>
+        <p:style>
+          <a:lnRef idx="2">
+            <a:schemeClr val="accent1">
+              <a:shade val="50000"/>
+            </a:schemeClr>
+          </a:lnRef>
+          <a:fillRef idx="1">
+            <a:schemeClr val="accent1"/>
+          </a:fillRef>
+          <a:effectRef idx="0">
+            <a:schemeClr val="accent1"/>
+          </a:effectRef>
+          <a:fontRef idx="minor">
+            <a:schemeClr val="lt1"/>
+          </a:fontRef>
+        </p:style>
+        <p:txBody>
+          <a:bodyPr rtlCol="0" anchor="ctr"/>
+          <a:lstStyle/>
+          <a:p>
+            <a:pPr algn="ctr"/>
+            <a:r>
+              <a:rPr lang="en-US" altLang="ko-KR" sz="800" dirty="0">
+                <a:solidFill>
+                  <a:schemeClr val="tx1"/>
+                </a:solidFill>
+              </a:rPr>
+              <a:t>Process</a:t>
+            </a:r>
+            <a:endParaRPr lang="ko-KR" altLang="en-US" sz="800" dirty="0">
+              <a:solidFill>
+                <a:schemeClr val="tx1"/>
+              </a:solidFill>
+            </a:endParaRPr>
+          </a:p>
+        </p:txBody>
+      </p:sp>
+      <p:sp>
+        <p:nvSpPr>
+          <p:cNvPr id="44" name="순서도: 처리 43">
+            <a:extLst>
+              <a:ext uri="{FF2B5EF4-FFF2-40B4-BE49-F238E27FC236}">
+                <a16:creationId xmlns:a16="http://schemas.microsoft.com/office/drawing/2014/main" id="{DA3FC886-0D12-421B-9939-10BF2FC2165B}"/>
+              </a:ext>
+            </a:extLst>
+          </p:cNvPr>
+          <p:cNvSpPr/>
+          <p:nvPr/>
+        </p:nvSpPr>
+        <p:spPr>
+          <a:xfrm>
+            <a:off x="3174563" y="2638244"/>
+            <a:ext cx="1008112" cy="245348"/>
+          </a:xfrm>
+          <a:prstGeom prst="flowChartProcess">
+            <a:avLst/>
+          </a:prstGeom>
+          <a:solidFill>
+            <a:schemeClr val="bg1"/>
+          </a:solidFill>
+          <a:ln w="19050">
+            <a:solidFill>
+              <a:schemeClr val="tx1">
+                <a:lumMod val="75000"/>
+                <a:lumOff val="25000"/>
+              </a:schemeClr>
+            </a:solidFill>
+          </a:ln>
+        </p:spPr>
+        <p:style>
+          <a:lnRef idx="2">
+            <a:schemeClr val="accent1">
+              <a:shade val="50000"/>
+            </a:schemeClr>
+          </a:lnRef>
+          <a:fillRef idx="1">
+            <a:schemeClr val="accent1"/>
+          </a:fillRef>
+          <a:effectRef idx="0">
+            <a:schemeClr val="accent1"/>
+          </a:effectRef>
+          <a:fontRef idx="minor">
+            <a:schemeClr val="lt1"/>
+          </a:fontRef>
+        </p:style>
+        <p:txBody>
+          <a:bodyPr rtlCol="0" anchor="ctr"/>
+          <a:lstStyle/>
+          <a:p>
+            <a:pPr algn="ctr"/>
+            <a:r>
+              <a:rPr lang="en-US" altLang="ko-KR" sz="800" dirty="0">
+                <a:solidFill>
+                  <a:schemeClr val="tx1"/>
+                </a:solidFill>
+              </a:rPr>
+              <a:t>Process</a:t>
+            </a:r>
+            <a:endParaRPr lang="ko-KR" altLang="en-US" sz="800" dirty="0">
+              <a:solidFill>
+                <a:schemeClr val="tx1"/>
+              </a:solidFill>
+            </a:endParaRPr>
+          </a:p>
+        </p:txBody>
+      </p:sp>
+      <p:sp>
+        <p:nvSpPr>
+          <p:cNvPr id="45" name="순서도: 처리 44">
+            <a:extLst>
+              <a:ext uri="{FF2B5EF4-FFF2-40B4-BE49-F238E27FC236}">
+                <a16:creationId xmlns:a16="http://schemas.microsoft.com/office/drawing/2014/main" id="{893B66AA-0880-4E88-877D-B4E20ADBE1A1}"/>
+              </a:ext>
+            </a:extLst>
+          </p:cNvPr>
+          <p:cNvSpPr/>
+          <p:nvPr/>
+        </p:nvSpPr>
+        <p:spPr>
+          <a:xfrm>
+            <a:off x="3174563" y="3068960"/>
+            <a:ext cx="1008112" cy="245348"/>
+          </a:xfrm>
+          <a:prstGeom prst="flowChartProcess">
+            <a:avLst/>
+          </a:prstGeom>
+          <a:solidFill>
+            <a:schemeClr val="bg1"/>
+          </a:solidFill>
+          <a:ln w="19050">
+            <a:solidFill>
+              <a:schemeClr val="tx1">
+                <a:lumMod val="75000"/>
+                <a:lumOff val="25000"/>
+              </a:schemeClr>
+            </a:solidFill>
+          </a:ln>
+        </p:spPr>
+        <p:style>
+          <a:lnRef idx="2">
+            <a:schemeClr val="accent1">
+              <a:shade val="50000"/>
+            </a:schemeClr>
+          </a:lnRef>
+          <a:fillRef idx="1">
+            <a:schemeClr val="accent1"/>
+          </a:fillRef>
+          <a:effectRef idx="0">
+            <a:schemeClr val="accent1"/>
+          </a:effectRef>
+          <a:fontRef idx="minor">
+            <a:schemeClr val="lt1"/>
+          </a:fontRef>
+        </p:style>
+        <p:txBody>
+          <a:bodyPr rtlCol="0" anchor="ctr"/>
+          <a:lstStyle/>
+          <a:p>
+            <a:pPr algn="ctr"/>
+            <a:r>
+              <a:rPr lang="en-US" altLang="ko-KR" sz="800" dirty="0">
+                <a:solidFill>
+                  <a:schemeClr val="tx1"/>
+                </a:solidFill>
+              </a:rPr>
+              <a:t>Process</a:t>
+            </a:r>
+            <a:endParaRPr lang="ko-KR" altLang="en-US" sz="800" dirty="0">
+              <a:solidFill>
+                <a:schemeClr val="tx1"/>
+              </a:solidFill>
+            </a:endParaRPr>
+          </a:p>
+        </p:txBody>
+      </p:sp>
+      <p:sp>
+        <p:nvSpPr>
+          <p:cNvPr id="46" name="순서도: 처리 45">
+            <a:extLst>
+              <a:ext uri="{FF2B5EF4-FFF2-40B4-BE49-F238E27FC236}">
+                <a16:creationId xmlns:a16="http://schemas.microsoft.com/office/drawing/2014/main" id="{F5CEF83A-0867-402A-B312-C16571CB169E}"/>
+              </a:ext>
+            </a:extLst>
+          </p:cNvPr>
+          <p:cNvSpPr/>
+          <p:nvPr/>
+        </p:nvSpPr>
+        <p:spPr>
+          <a:xfrm>
+            <a:off x="3174563" y="3501008"/>
+            <a:ext cx="1008112" cy="245348"/>
+          </a:xfrm>
+          <a:prstGeom prst="flowChartProcess">
+            <a:avLst/>
+          </a:prstGeom>
+          <a:solidFill>
+            <a:schemeClr val="bg1"/>
+          </a:solidFill>
+          <a:ln w="19050">
+            <a:solidFill>
+              <a:schemeClr val="tx1">
+                <a:lumMod val="75000"/>
+                <a:lumOff val="25000"/>
+              </a:schemeClr>
+            </a:solidFill>
+          </a:ln>
+        </p:spPr>
+        <p:style>
+          <a:lnRef idx="2">
+            <a:schemeClr val="accent1">
+              <a:shade val="50000"/>
+            </a:schemeClr>
+          </a:lnRef>
+          <a:fillRef idx="1">
+            <a:schemeClr val="accent1"/>
+          </a:fillRef>
+          <a:effectRef idx="0">
+            <a:schemeClr val="accent1"/>
+          </a:effectRef>
+          <a:fontRef idx="minor">
+            <a:schemeClr val="lt1"/>
+          </a:fontRef>
+        </p:style>
+        <p:txBody>
+          <a:bodyPr rtlCol="0" anchor="ctr"/>
+          <a:lstStyle/>
+          <a:p>
+            <a:pPr algn="ctr"/>
+            <a:r>
+              <a:rPr lang="en-US" altLang="ko-KR" sz="800" dirty="0">
+                <a:solidFill>
+                  <a:schemeClr val="tx1"/>
+                </a:solidFill>
+              </a:rPr>
+              <a:t>Process</a:t>
+            </a:r>
+            <a:endParaRPr lang="ko-KR" altLang="en-US" sz="800" dirty="0">
+              <a:solidFill>
+                <a:schemeClr val="tx1"/>
+              </a:solidFill>
+            </a:endParaRPr>
+          </a:p>
+        </p:txBody>
+      </p:sp>
+      <p:cxnSp>
+        <p:nvCxnSpPr>
+          <p:cNvPr id="47" name="직선 화살표 연결선 46">
+            <a:extLst>
+              <a:ext uri="{FF2B5EF4-FFF2-40B4-BE49-F238E27FC236}">
+                <a16:creationId xmlns:a16="http://schemas.microsoft.com/office/drawing/2014/main" id="{7B84CED6-6D11-4322-878F-83515CBA5FC9}"/>
+              </a:ext>
+            </a:extLst>
+          </p:cNvPr>
+          <p:cNvCxnSpPr>
+            <a:cxnSpLocks/>
+            <a:stCxn id="36" idx="2"/>
+            <a:endCxn id="42" idx="0"/>
+          </p:cNvCxnSpPr>
+          <p:nvPr/>
+        </p:nvCxnSpPr>
+        <p:spPr>
+          <a:xfrm>
+            <a:off x="3678619" y="1586116"/>
+            <a:ext cx="0" cy="186700"/>
+          </a:xfrm>
+          <a:prstGeom prst="straightConnector1">
+            <a:avLst/>
+          </a:prstGeom>
+          <a:ln>
+            <a:solidFill>
+              <a:schemeClr val="tx1">
+                <a:lumMod val="75000"/>
+                <a:lumOff val="25000"/>
+              </a:schemeClr>
+            </a:solidFill>
+            <a:headEnd type="oval" w="med" len="med"/>
+            <a:tailEnd type="arrow" w="sm" len="sm"/>
+          </a:ln>
+        </p:spPr>
+        <p:style>
+          <a:lnRef idx="1">
+            <a:schemeClr val="accent1"/>
+          </a:lnRef>
+          <a:fillRef idx="0">
+            <a:schemeClr val="accent1"/>
+          </a:fillRef>
+          <a:effectRef idx="0">
+            <a:schemeClr val="accent1"/>
+          </a:effectRef>
+          <a:fontRef idx="minor">
+            <a:schemeClr val="tx1"/>
+          </a:fontRef>
+        </p:style>
+      </p:cxnSp>
+      <p:cxnSp>
+        <p:nvCxnSpPr>
+          <p:cNvPr id="50" name="직선 화살표 연결선 49">
+            <a:extLst>
+              <a:ext uri="{FF2B5EF4-FFF2-40B4-BE49-F238E27FC236}">
+                <a16:creationId xmlns:a16="http://schemas.microsoft.com/office/drawing/2014/main" id="{B1DE65E4-4835-485C-A616-FEBDAAFDC475}"/>
+              </a:ext>
+            </a:extLst>
+          </p:cNvPr>
+          <p:cNvCxnSpPr>
+            <a:cxnSpLocks/>
+            <a:stCxn id="42" idx="2"/>
+            <a:endCxn id="53" idx="0"/>
+          </p:cNvCxnSpPr>
+          <p:nvPr/>
+        </p:nvCxnSpPr>
+        <p:spPr>
+          <a:xfrm>
+            <a:off x="3678619" y="2018164"/>
+            <a:ext cx="0" cy="192124"/>
+          </a:xfrm>
+          <a:prstGeom prst="straightConnector1">
+            <a:avLst/>
+          </a:prstGeom>
+          <a:ln>
+            <a:solidFill>
+              <a:schemeClr val="tx1">
+                <a:lumMod val="75000"/>
+                <a:lumOff val="25000"/>
+              </a:schemeClr>
+            </a:solidFill>
+            <a:headEnd type="oval" w="med" len="med"/>
+            <a:tailEnd type="arrow" w="sm" len="sm"/>
+          </a:ln>
+        </p:spPr>
+        <p:style>
+          <a:lnRef idx="1">
+            <a:schemeClr val="accent1"/>
+          </a:lnRef>
+          <a:fillRef idx="0">
+            <a:schemeClr val="accent1"/>
+          </a:fillRef>
+          <a:effectRef idx="0">
+            <a:schemeClr val="accent1"/>
+          </a:effectRef>
+          <a:fontRef idx="minor">
+            <a:schemeClr val="tx1"/>
+          </a:fontRef>
+        </p:style>
+      </p:cxnSp>
+      <p:sp>
+        <p:nvSpPr>
+          <p:cNvPr id="53" name="순서도: 판단 52">
+            <a:extLst>
+              <a:ext uri="{FF2B5EF4-FFF2-40B4-BE49-F238E27FC236}">
+                <a16:creationId xmlns:a16="http://schemas.microsoft.com/office/drawing/2014/main" id="{8D4F4747-9751-4A7E-9A2C-A60BC5D2D21F}"/>
+              </a:ext>
+            </a:extLst>
+          </p:cNvPr>
+          <p:cNvSpPr/>
+          <p:nvPr/>
+        </p:nvSpPr>
+        <p:spPr>
+          <a:xfrm>
+            <a:off x="3174563" y="2210288"/>
+            <a:ext cx="1008112" cy="245348"/>
+          </a:xfrm>
+          <a:prstGeom prst="flowChartDecision">
+            <a:avLst/>
+          </a:prstGeom>
+          <a:solidFill>
+            <a:schemeClr val="bg1"/>
+          </a:solidFill>
+          <a:ln w="19050">
+            <a:solidFill>
+              <a:schemeClr val="tx1">
+                <a:lumMod val="75000"/>
+                <a:lumOff val="25000"/>
+              </a:schemeClr>
+            </a:solidFill>
+          </a:ln>
+        </p:spPr>
+        <p:style>
+          <a:lnRef idx="2">
+            <a:schemeClr val="accent1">
+              <a:shade val="50000"/>
+            </a:schemeClr>
+          </a:lnRef>
+          <a:fillRef idx="1">
+            <a:schemeClr val="accent1"/>
+          </a:fillRef>
+          <a:effectRef idx="0">
+            <a:schemeClr val="accent1"/>
+          </a:effectRef>
+          <a:fontRef idx="minor">
+            <a:schemeClr val="lt1"/>
+          </a:fontRef>
+        </p:style>
+        <p:txBody>
+          <a:bodyPr rtlCol="0" anchor="ctr"/>
+          <a:lstStyle/>
+          <a:p>
+            <a:pPr algn="ctr"/>
+            <a:r>
+              <a:rPr lang="en-US" altLang="ko-KR" sz="800" dirty="0">
+                <a:solidFill>
+                  <a:schemeClr val="tx1"/>
+                </a:solidFill>
+              </a:rPr>
+              <a:t>logic</a:t>
+            </a:r>
+            <a:endParaRPr lang="ko-KR" altLang="en-US" sz="800" dirty="0">
+              <a:solidFill>
+                <a:schemeClr val="tx1"/>
+              </a:solidFill>
+            </a:endParaRPr>
+          </a:p>
+        </p:txBody>
+      </p:sp>
+      <p:cxnSp>
+        <p:nvCxnSpPr>
+          <p:cNvPr id="55" name="직선 화살표 연결선 54">
+            <a:extLst>
+              <a:ext uri="{FF2B5EF4-FFF2-40B4-BE49-F238E27FC236}">
+                <a16:creationId xmlns:a16="http://schemas.microsoft.com/office/drawing/2014/main" id="{F524489F-3100-465B-B033-13641A3C456F}"/>
+              </a:ext>
+            </a:extLst>
+          </p:cNvPr>
+          <p:cNvCxnSpPr>
+            <a:cxnSpLocks/>
+            <a:stCxn id="53" idx="2"/>
+            <a:endCxn id="44" idx="0"/>
+          </p:cNvCxnSpPr>
+          <p:nvPr/>
+        </p:nvCxnSpPr>
+        <p:spPr>
+          <a:xfrm>
+            <a:off x="3678619" y="2455636"/>
+            <a:ext cx="0" cy="182608"/>
+          </a:xfrm>
+          <a:prstGeom prst="straightConnector1">
+            <a:avLst/>
+          </a:prstGeom>
+          <a:ln>
+            <a:solidFill>
+              <a:schemeClr val="tx1">
+                <a:lumMod val="75000"/>
+                <a:lumOff val="25000"/>
+              </a:schemeClr>
+            </a:solidFill>
+            <a:headEnd type="oval" w="med" len="med"/>
+            <a:tailEnd type="arrow" w="sm" len="sm"/>
+          </a:ln>
+        </p:spPr>
+        <p:style>
+          <a:lnRef idx="1">
+            <a:schemeClr val="accent1"/>
+          </a:lnRef>
+          <a:fillRef idx="0">
+            <a:schemeClr val="accent1"/>
+          </a:fillRef>
+          <a:effectRef idx="0">
+            <a:schemeClr val="accent1"/>
+          </a:effectRef>
+          <a:fontRef idx="minor">
+            <a:schemeClr val="tx1"/>
+          </a:fontRef>
+        </p:style>
+      </p:cxnSp>
+      <p:cxnSp>
+        <p:nvCxnSpPr>
+          <p:cNvPr id="58" name="직선 화살표 연결선 57">
+            <a:extLst>
+              <a:ext uri="{FF2B5EF4-FFF2-40B4-BE49-F238E27FC236}">
+                <a16:creationId xmlns:a16="http://schemas.microsoft.com/office/drawing/2014/main" id="{6C9FEC03-CB4A-42BE-B005-0BF34BBEB791}"/>
+              </a:ext>
+            </a:extLst>
+          </p:cNvPr>
+          <p:cNvCxnSpPr>
+            <a:cxnSpLocks/>
+            <a:stCxn id="44" idx="2"/>
+            <a:endCxn id="45" idx="0"/>
+          </p:cNvCxnSpPr>
+          <p:nvPr/>
+        </p:nvCxnSpPr>
+        <p:spPr>
+          <a:xfrm>
+            <a:off x="3678619" y="2883592"/>
+            <a:ext cx="0" cy="185368"/>
+          </a:xfrm>
+          <a:prstGeom prst="straightConnector1">
+            <a:avLst/>
+          </a:prstGeom>
+          <a:ln>
+            <a:solidFill>
+              <a:schemeClr val="tx1">
+                <a:lumMod val="75000"/>
+                <a:lumOff val="25000"/>
+              </a:schemeClr>
+            </a:solidFill>
+            <a:headEnd type="oval" w="med" len="med"/>
+            <a:tailEnd type="arrow" w="sm" len="sm"/>
+          </a:ln>
+        </p:spPr>
+        <p:style>
+          <a:lnRef idx="1">
+            <a:schemeClr val="accent1"/>
+          </a:lnRef>
+          <a:fillRef idx="0">
+            <a:schemeClr val="accent1"/>
+          </a:fillRef>
+          <a:effectRef idx="0">
+            <a:schemeClr val="accent1"/>
+          </a:effectRef>
+          <a:fontRef idx="minor">
+            <a:schemeClr val="tx1"/>
+          </a:fontRef>
+        </p:style>
+      </p:cxnSp>
+      <p:cxnSp>
+        <p:nvCxnSpPr>
+          <p:cNvPr id="61" name="직선 화살표 연결선 60">
+            <a:extLst>
+              <a:ext uri="{FF2B5EF4-FFF2-40B4-BE49-F238E27FC236}">
+                <a16:creationId xmlns:a16="http://schemas.microsoft.com/office/drawing/2014/main" id="{DDD3DD0C-2A63-4FD9-9A09-255A58ED62EB}"/>
+              </a:ext>
+            </a:extLst>
+          </p:cNvPr>
+          <p:cNvCxnSpPr>
+            <a:cxnSpLocks/>
+            <a:stCxn id="45" idx="2"/>
+            <a:endCxn id="46" idx="0"/>
+          </p:cNvCxnSpPr>
+          <p:nvPr/>
+        </p:nvCxnSpPr>
+        <p:spPr>
+          <a:xfrm>
+            <a:off x="3678619" y="3314308"/>
+            <a:ext cx="0" cy="186700"/>
+          </a:xfrm>
+          <a:prstGeom prst="straightConnector1">
+            <a:avLst/>
+          </a:prstGeom>
+          <a:ln>
+            <a:solidFill>
+              <a:schemeClr val="tx1">
+                <a:lumMod val="75000"/>
+                <a:lumOff val="25000"/>
+              </a:schemeClr>
+            </a:solidFill>
+            <a:headEnd type="oval" w="med" len="med"/>
+            <a:tailEnd type="arrow" w="sm" len="sm"/>
+          </a:ln>
+        </p:spPr>
+        <p:style>
+          <a:lnRef idx="1">
+            <a:schemeClr val="accent1"/>
+          </a:lnRef>
+          <a:fillRef idx="0">
+            <a:schemeClr val="accent1"/>
+          </a:fillRef>
+          <a:effectRef idx="0">
+            <a:schemeClr val="accent1"/>
+          </a:effectRef>
+          <a:fontRef idx="minor">
+            <a:schemeClr val="tx1"/>
+          </a:fontRef>
+        </p:style>
+      </p:cxnSp>
+      <p:sp>
+        <p:nvSpPr>
+          <p:cNvPr id="64" name="순서도: 처리 63">
+            <a:extLst>
+              <a:ext uri="{FF2B5EF4-FFF2-40B4-BE49-F238E27FC236}">
+                <a16:creationId xmlns:a16="http://schemas.microsoft.com/office/drawing/2014/main" id="{A6114174-35DE-4F22-9A19-F81DC88D5B94}"/>
+              </a:ext>
+            </a:extLst>
+          </p:cNvPr>
+          <p:cNvSpPr/>
+          <p:nvPr/>
+        </p:nvSpPr>
+        <p:spPr>
+          <a:xfrm>
+            <a:off x="3174563" y="3933056"/>
+            <a:ext cx="1008112" cy="245348"/>
+          </a:xfrm>
+          <a:prstGeom prst="flowChartProcess">
+            <a:avLst/>
+          </a:prstGeom>
+          <a:solidFill>
+            <a:schemeClr val="bg1"/>
+          </a:solidFill>
+          <a:ln w="19050">
+            <a:solidFill>
+              <a:schemeClr val="tx1">
+                <a:lumMod val="75000"/>
+                <a:lumOff val="25000"/>
+              </a:schemeClr>
+            </a:solidFill>
+          </a:ln>
+        </p:spPr>
+        <p:style>
+          <a:lnRef idx="2">
+            <a:schemeClr val="accent1">
+              <a:shade val="50000"/>
+            </a:schemeClr>
+          </a:lnRef>
+          <a:fillRef idx="1">
+            <a:schemeClr val="accent1"/>
+          </a:fillRef>
+          <a:effectRef idx="0">
+            <a:schemeClr val="accent1"/>
+          </a:effectRef>
+          <a:fontRef idx="minor">
+            <a:schemeClr val="lt1"/>
+          </a:fontRef>
+        </p:style>
+        <p:txBody>
+          <a:bodyPr rtlCol="0" anchor="ctr"/>
+          <a:lstStyle/>
+          <a:p>
+            <a:pPr algn="ctr"/>
+            <a:r>
+              <a:rPr lang="en-US" altLang="ko-KR" sz="800" dirty="0">
+                <a:solidFill>
+                  <a:schemeClr val="tx1"/>
+                </a:solidFill>
+              </a:rPr>
+              <a:t>Process</a:t>
+            </a:r>
+            <a:endParaRPr lang="ko-KR" altLang="en-US" sz="800" dirty="0">
+              <a:solidFill>
+                <a:schemeClr val="tx1"/>
+              </a:solidFill>
+            </a:endParaRPr>
+          </a:p>
+        </p:txBody>
+      </p:sp>
+      <p:cxnSp>
+        <p:nvCxnSpPr>
+          <p:cNvPr id="65" name="직선 화살표 연결선 64">
+            <a:extLst>
+              <a:ext uri="{FF2B5EF4-FFF2-40B4-BE49-F238E27FC236}">
+                <a16:creationId xmlns:a16="http://schemas.microsoft.com/office/drawing/2014/main" id="{439FFADF-5146-4B43-AAA0-321F82CA7A3D}"/>
+              </a:ext>
+            </a:extLst>
+          </p:cNvPr>
+          <p:cNvCxnSpPr>
+            <a:cxnSpLocks/>
+            <a:stCxn id="46" idx="2"/>
+            <a:endCxn id="64" idx="0"/>
+          </p:cNvCxnSpPr>
+          <p:nvPr/>
+        </p:nvCxnSpPr>
+        <p:spPr>
+          <a:xfrm>
+            <a:off x="3678619" y="3746356"/>
+            <a:ext cx="0" cy="186700"/>
+          </a:xfrm>
+          <a:prstGeom prst="straightConnector1">
+            <a:avLst/>
+          </a:prstGeom>
+          <a:ln>
+            <a:solidFill>
+              <a:schemeClr val="tx1">
+                <a:lumMod val="75000"/>
+                <a:lumOff val="25000"/>
+              </a:schemeClr>
+            </a:solidFill>
+            <a:headEnd type="oval" w="med" len="med"/>
+            <a:tailEnd type="arrow" w="sm" len="sm"/>
+          </a:ln>
+        </p:spPr>
+        <p:style>
+          <a:lnRef idx="1">
+            <a:schemeClr val="accent1"/>
+          </a:lnRef>
+          <a:fillRef idx="0">
+            <a:schemeClr val="accent1"/>
+          </a:fillRef>
+          <a:effectRef idx="0">
+            <a:schemeClr val="accent1"/>
+          </a:effectRef>
+          <a:fontRef idx="minor">
+            <a:schemeClr val="tx1"/>
+          </a:fontRef>
+        </p:style>
+      </p:cxnSp>
+      <p:sp>
+        <p:nvSpPr>
+          <p:cNvPr id="68" name="순서도: 처리 67">
+            <a:extLst>
+              <a:ext uri="{FF2B5EF4-FFF2-40B4-BE49-F238E27FC236}">
+                <a16:creationId xmlns:a16="http://schemas.microsoft.com/office/drawing/2014/main" id="{C4B65520-C38B-4FD7-A1FE-194F021A42FF}"/>
+              </a:ext>
+            </a:extLst>
+          </p:cNvPr>
+          <p:cNvSpPr/>
+          <p:nvPr/>
+        </p:nvSpPr>
+        <p:spPr>
+          <a:xfrm>
+            <a:off x="5366810" y="1340768"/>
+            <a:ext cx="1008112" cy="245348"/>
+          </a:xfrm>
+          <a:prstGeom prst="flowChartProcess">
+            <a:avLst/>
+          </a:prstGeom>
+          <a:solidFill>
+            <a:schemeClr val="bg1"/>
+          </a:solidFill>
+          <a:ln w="19050">
+            <a:solidFill>
+              <a:schemeClr val="tx1">
+                <a:lumMod val="75000"/>
+                <a:lumOff val="25000"/>
+              </a:schemeClr>
+            </a:solidFill>
+          </a:ln>
+        </p:spPr>
+        <p:style>
+          <a:lnRef idx="2">
+            <a:schemeClr val="accent1">
+              <a:shade val="50000"/>
+            </a:schemeClr>
+          </a:lnRef>
+          <a:fillRef idx="1">
+            <a:schemeClr val="accent1"/>
+          </a:fillRef>
+          <a:effectRef idx="0">
+            <a:schemeClr val="accent1"/>
+          </a:effectRef>
+          <a:fontRef idx="minor">
+            <a:schemeClr val="lt1"/>
+          </a:fontRef>
+        </p:style>
+        <p:txBody>
+          <a:bodyPr rtlCol="0" anchor="ctr"/>
+          <a:lstStyle/>
+          <a:p>
+            <a:pPr algn="ctr"/>
+            <a:r>
+              <a:rPr lang="en-US" altLang="ko-KR" sz="800" dirty="0">
+                <a:solidFill>
+                  <a:schemeClr val="tx1"/>
+                </a:solidFill>
+              </a:rPr>
+              <a:t>Process</a:t>
+            </a:r>
+            <a:endParaRPr lang="ko-KR" altLang="en-US" sz="800" dirty="0">
+              <a:solidFill>
+                <a:schemeClr val="tx1"/>
+              </a:solidFill>
+            </a:endParaRPr>
+          </a:p>
+        </p:txBody>
+      </p:sp>
+      <p:sp>
+        <p:nvSpPr>
+          <p:cNvPr id="76" name="직사각형 75">
+            <a:extLst>
+              <a:ext uri="{FF2B5EF4-FFF2-40B4-BE49-F238E27FC236}">
+                <a16:creationId xmlns:a16="http://schemas.microsoft.com/office/drawing/2014/main" id="{91750B76-5F44-4DAA-8DBC-C826785A7F6F}"/>
+              </a:ext>
+            </a:extLst>
+          </p:cNvPr>
+          <p:cNvSpPr/>
+          <p:nvPr/>
+        </p:nvSpPr>
+        <p:spPr>
+          <a:xfrm>
+            <a:off x="1072001" y="5418430"/>
+            <a:ext cx="653538" cy="215444"/>
+          </a:xfrm>
+          <a:prstGeom prst="rect">
+            <a:avLst/>
+          </a:prstGeom>
+        </p:spPr>
+        <p:txBody>
+          <a:bodyPr wrap="square">
+            <a:spAutoFit/>
+          </a:bodyPr>
+          <a:lstStyle/>
+          <a:p>
+            <a:r>
+              <a:rPr lang="en-US" altLang="ko-KR" sz="800" dirty="0"/>
+              <a:t>Connect</a:t>
+            </a:r>
+            <a:endParaRPr lang="ko-KR" altLang="en-US" sz="800" dirty="0"/>
+          </a:p>
+        </p:txBody>
+      </p:sp>
+      <p:sp>
+        <p:nvSpPr>
+          <p:cNvPr id="77" name="직사각형 76">
+            <a:extLst>
+              <a:ext uri="{FF2B5EF4-FFF2-40B4-BE49-F238E27FC236}">
+                <a16:creationId xmlns:a16="http://schemas.microsoft.com/office/drawing/2014/main" id="{A9428C8F-F6B1-42F6-AF7E-64F4E0684A90}"/>
+              </a:ext>
+            </a:extLst>
+          </p:cNvPr>
+          <p:cNvSpPr/>
+          <p:nvPr/>
+        </p:nvSpPr>
+        <p:spPr>
+          <a:xfrm>
+            <a:off x="1122881" y="4395386"/>
+            <a:ext cx="404447" cy="215444"/>
+          </a:xfrm>
+          <a:prstGeom prst="rect">
+            <a:avLst/>
+          </a:prstGeom>
+        </p:spPr>
+        <p:txBody>
+          <a:bodyPr wrap="square">
+            <a:spAutoFit/>
+          </a:bodyPr>
+          <a:lstStyle/>
+          <a:p>
+            <a:r>
+              <a:rPr lang="en-US" altLang="ko-KR" sz="800" dirty="0"/>
+              <a:t>YES</a:t>
+            </a:r>
+            <a:endParaRPr lang="ko-KR" altLang="en-US" sz="800" dirty="0"/>
+          </a:p>
+        </p:txBody>
+      </p:sp>
+      <p:sp>
+        <p:nvSpPr>
+          <p:cNvPr id="78" name="직사각형 77">
+            <a:extLst>
+              <a:ext uri="{FF2B5EF4-FFF2-40B4-BE49-F238E27FC236}">
+                <a16:creationId xmlns:a16="http://schemas.microsoft.com/office/drawing/2014/main" id="{E7885C91-2F84-405C-B940-A7637DEC73CE}"/>
+              </a:ext>
+            </a:extLst>
+          </p:cNvPr>
+          <p:cNvSpPr/>
+          <p:nvPr/>
+        </p:nvSpPr>
+        <p:spPr>
+          <a:xfrm>
+            <a:off x="1968839" y="3406850"/>
+            <a:ext cx="395223" cy="215444"/>
+          </a:xfrm>
+          <a:prstGeom prst="rect">
+            <a:avLst/>
+          </a:prstGeom>
+        </p:spPr>
+        <p:txBody>
+          <a:bodyPr wrap="square">
+            <a:spAutoFit/>
+          </a:bodyPr>
+          <a:lstStyle/>
+          <a:p>
+            <a:r>
+              <a:rPr lang="en-US" altLang="ko-KR" sz="800" dirty="0"/>
+              <a:t>NO</a:t>
+            </a:r>
+            <a:endParaRPr lang="ko-KR" altLang="en-US" sz="800" dirty="0"/>
+          </a:p>
+        </p:txBody>
+      </p:sp>
+      <p:sp>
+        <p:nvSpPr>
+          <p:cNvPr id="80" name="순서도: 처리 79">
+            <a:extLst>
+              <a:ext uri="{FF2B5EF4-FFF2-40B4-BE49-F238E27FC236}">
+                <a16:creationId xmlns:a16="http://schemas.microsoft.com/office/drawing/2014/main" id="{572A12DD-E5D0-44A7-A7DF-752785488481}"/>
+              </a:ext>
+            </a:extLst>
+          </p:cNvPr>
+          <p:cNvSpPr/>
+          <p:nvPr/>
+        </p:nvSpPr>
+        <p:spPr>
+          <a:xfrm>
+            <a:off x="5365694" y="1772816"/>
+            <a:ext cx="1008112" cy="245348"/>
+          </a:xfrm>
+          <a:prstGeom prst="flowChartProcess">
+            <a:avLst/>
+          </a:prstGeom>
+          <a:solidFill>
+            <a:schemeClr val="bg1"/>
+          </a:solidFill>
+          <a:ln w="19050">
+            <a:solidFill>
+              <a:schemeClr val="tx1">
+                <a:lumMod val="75000"/>
+                <a:lumOff val="25000"/>
+              </a:schemeClr>
+            </a:solidFill>
+          </a:ln>
+        </p:spPr>
+        <p:style>
+          <a:lnRef idx="2">
+            <a:schemeClr val="accent1">
+              <a:shade val="50000"/>
+            </a:schemeClr>
+          </a:lnRef>
+          <a:fillRef idx="1">
+            <a:schemeClr val="accent1"/>
+          </a:fillRef>
+          <a:effectRef idx="0">
+            <a:schemeClr val="accent1"/>
+          </a:effectRef>
+          <a:fontRef idx="minor">
+            <a:schemeClr val="lt1"/>
+          </a:fontRef>
+        </p:style>
+        <p:txBody>
+          <a:bodyPr rtlCol="0" anchor="ctr"/>
+          <a:lstStyle/>
+          <a:p>
+            <a:pPr algn="ctr"/>
+            <a:r>
+              <a:rPr lang="en-US" altLang="ko-KR" sz="800" dirty="0">
+                <a:solidFill>
+                  <a:schemeClr val="tx1"/>
+                </a:solidFill>
+              </a:rPr>
+              <a:t>Process</a:t>
+            </a:r>
+            <a:endParaRPr lang="ko-KR" altLang="en-US" sz="800" dirty="0">
+              <a:solidFill>
+                <a:schemeClr val="tx1"/>
+              </a:solidFill>
+            </a:endParaRPr>
+          </a:p>
+        </p:txBody>
+      </p:sp>
+      <p:cxnSp>
+        <p:nvCxnSpPr>
+          <p:cNvPr id="81" name="연결선: 꺾임 80">
+            <a:extLst>
+              <a:ext uri="{FF2B5EF4-FFF2-40B4-BE49-F238E27FC236}">
+                <a16:creationId xmlns:a16="http://schemas.microsoft.com/office/drawing/2014/main" id="{3F1D0F1F-FED4-4E8D-9D6C-164CA24733BD}"/>
+              </a:ext>
+            </a:extLst>
+          </p:cNvPr>
+          <p:cNvCxnSpPr>
+            <a:cxnSpLocks/>
+            <a:stCxn id="53" idx="3"/>
+            <a:endCxn id="36" idx="3"/>
+          </p:cNvCxnSpPr>
+          <p:nvPr/>
+        </p:nvCxnSpPr>
+        <p:spPr>
+          <a:xfrm flipV="1">
+            <a:off x="4182675" y="1463442"/>
+            <a:ext cx="12700" cy="869520"/>
+          </a:xfrm>
+          <a:prstGeom prst="bentConnector3">
+            <a:avLst>
+              <a:gd name="adj1" fmla="val 1800000"/>
+            </a:avLst>
+          </a:prstGeom>
+          <a:ln>
+            <a:solidFill>
+              <a:schemeClr val="tx1">
+                <a:lumMod val="75000"/>
+                <a:lumOff val="25000"/>
+              </a:schemeClr>
+            </a:solidFill>
+            <a:headEnd type="oval" w="med" len="med"/>
+            <a:tailEnd type="arrow" w="sm" len="sm"/>
+          </a:ln>
+        </p:spPr>
+        <p:style>
+          <a:lnRef idx="1">
+            <a:schemeClr val="accent1"/>
+          </a:lnRef>
+          <a:fillRef idx="0">
+            <a:schemeClr val="accent1"/>
+          </a:fillRef>
+          <a:effectRef idx="0">
+            <a:schemeClr val="accent1"/>
+          </a:effectRef>
+          <a:fontRef idx="minor">
+            <a:schemeClr val="tx1"/>
+          </a:fontRef>
+        </p:style>
+      </p:cxnSp>
+      <p:sp>
+        <p:nvSpPr>
+          <p:cNvPr id="85" name="직사각형 84">
+            <a:extLst>
+              <a:ext uri="{FF2B5EF4-FFF2-40B4-BE49-F238E27FC236}">
+                <a16:creationId xmlns:a16="http://schemas.microsoft.com/office/drawing/2014/main" id="{9727F534-870B-4388-90F5-5D707F3A5F86}"/>
+              </a:ext>
+            </a:extLst>
+          </p:cNvPr>
+          <p:cNvSpPr/>
+          <p:nvPr/>
+        </p:nvSpPr>
+        <p:spPr>
+          <a:xfrm>
+            <a:off x="3366198" y="2425476"/>
+            <a:ext cx="351378" cy="215444"/>
+          </a:xfrm>
+          <a:prstGeom prst="rect">
+            <a:avLst/>
+          </a:prstGeom>
+        </p:spPr>
+        <p:txBody>
+          <a:bodyPr wrap="none">
+            <a:spAutoFit/>
+          </a:bodyPr>
+          <a:lstStyle/>
+          <a:p>
+            <a:r>
+              <a:rPr lang="en-US" altLang="ko-KR" sz="800" dirty="0"/>
+              <a:t>YES</a:t>
+            </a:r>
+            <a:endParaRPr lang="ko-KR" altLang="en-US" sz="800" dirty="0"/>
+          </a:p>
+        </p:txBody>
+      </p:sp>
+      <p:sp>
+        <p:nvSpPr>
+          <p:cNvPr id="86" name="직사각형 85">
+            <a:extLst>
+              <a:ext uri="{FF2B5EF4-FFF2-40B4-BE49-F238E27FC236}">
+                <a16:creationId xmlns:a16="http://schemas.microsoft.com/office/drawing/2014/main" id="{0299F278-8C5E-4652-8EC5-3A31D57CAED4}"/>
+              </a:ext>
+            </a:extLst>
+          </p:cNvPr>
+          <p:cNvSpPr/>
+          <p:nvPr/>
+        </p:nvSpPr>
+        <p:spPr>
+          <a:xfrm>
+            <a:off x="4117845" y="2118572"/>
+            <a:ext cx="343364" cy="215444"/>
+          </a:xfrm>
+          <a:prstGeom prst="rect">
+            <a:avLst/>
+          </a:prstGeom>
+        </p:spPr>
+        <p:txBody>
+          <a:bodyPr wrap="none">
+            <a:spAutoFit/>
+          </a:bodyPr>
+          <a:lstStyle/>
+          <a:p>
+            <a:r>
+              <a:rPr lang="en-US" altLang="ko-KR" sz="800" dirty="0"/>
+              <a:t>NO</a:t>
+            </a:r>
+            <a:endParaRPr lang="ko-KR" altLang="en-US" sz="800" dirty="0"/>
+          </a:p>
+        </p:txBody>
+      </p:sp>
+      <p:sp>
+        <p:nvSpPr>
+          <p:cNvPr id="90" name="순서도: 처리 89">
+            <a:extLst>
+              <a:ext uri="{FF2B5EF4-FFF2-40B4-BE49-F238E27FC236}">
+                <a16:creationId xmlns:a16="http://schemas.microsoft.com/office/drawing/2014/main" id="{F94702C1-6F5F-4C13-8902-B0FCD0B9716B}"/>
+              </a:ext>
+            </a:extLst>
+          </p:cNvPr>
+          <p:cNvSpPr/>
+          <p:nvPr/>
+        </p:nvSpPr>
+        <p:spPr>
+          <a:xfrm>
+            <a:off x="5365694" y="2636912"/>
+            <a:ext cx="1008112" cy="245348"/>
+          </a:xfrm>
+          <a:prstGeom prst="flowChartProcess">
+            <a:avLst/>
+          </a:prstGeom>
+          <a:solidFill>
+            <a:schemeClr val="bg1"/>
+          </a:solidFill>
+          <a:ln w="19050">
+            <a:solidFill>
+              <a:schemeClr val="tx1">
+                <a:lumMod val="75000"/>
+                <a:lumOff val="25000"/>
+              </a:schemeClr>
+            </a:solidFill>
+          </a:ln>
+        </p:spPr>
+        <p:style>
+          <a:lnRef idx="2">
+            <a:schemeClr val="accent1">
+              <a:shade val="50000"/>
+            </a:schemeClr>
+          </a:lnRef>
+          <a:fillRef idx="1">
+            <a:schemeClr val="accent1"/>
+          </a:fillRef>
+          <a:effectRef idx="0">
+            <a:schemeClr val="accent1"/>
+          </a:effectRef>
+          <a:fontRef idx="minor">
+            <a:schemeClr val="lt1"/>
+          </a:fontRef>
+        </p:style>
+        <p:txBody>
+          <a:bodyPr rtlCol="0" anchor="ctr"/>
+          <a:lstStyle/>
+          <a:p>
+            <a:pPr algn="ctr"/>
+            <a:r>
+              <a:rPr lang="en-US" altLang="ko-KR" sz="800" dirty="0">
+                <a:solidFill>
+                  <a:schemeClr val="tx1"/>
+                </a:solidFill>
+              </a:rPr>
+              <a:t>Process</a:t>
+            </a:r>
+            <a:endParaRPr lang="ko-KR" altLang="en-US" sz="800" dirty="0">
+              <a:solidFill>
+                <a:schemeClr val="tx1"/>
+              </a:solidFill>
+            </a:endParaRPr>
+          </a:p>
+        </p:txBody>
+      </p:sp>
+      <p:sp>
+        <p:nvSpPr>
+          <p:cNvPr id="91" name="순서도: 처리 90">
+            <a:extLst>
+              <a:ext uri="{FF2B5EF4-FFF2-40B4-BE49-F238E27FC236}">
+                <a16:creationId xmlns:a16="http://schemas.microsoft.com/office/drawing/2014/main" id="{3826BDDE-67AB-4622-B3CA-0FFF7875D9C6}"/>
+              </a:ext>
+            </a:extLst>
+          </p:cNvPr>
+          <p:cNvSpPr/>
+          <p:nvPr/>
+        </p:nvSpPr>
+        <p:spPr>
+          <a:xfrm>
+            <a:off x="5365694" y="3068960"/>
+            <a:ext cx="1008112" cy="245348"/>
+          </a:xfrm>
+          <a:prstGeom prst="flowChartProcess">
+            <a:avLst/>
+          </a:prstGeom>
+          <a:solidFill>
+            <a:schemeClr val="bg1"/>
+          </a:solidFill>
+          <a:ln w="19050">
+            <a:solidFill>
+              <a:schemeClr val="tx1">
+                <a:lumMod val="75000"/>
+                <a:lumOff val="25000"/>
+              </a:schemeClr>
+            </a:solidFill>
+          </a:ln>
+        </p:spPr>
+        <p:style>
+          <a:lnRef idx="2">
+            <a:schemeClr val="accent1">
+              <a:shade val="50000"/>
+            </a:schemeClr>
+          </a:lnRef>
+          <a:fillRef idx="1">
+            <a:schemeClr val="accent1"/>
+          </a:fillRef>
+          <a:effectRef idx="0">
+            <a:schemeClr val="accent1"/>
+          </a:effectRef>
+          <a:fontRef idx="minor">
+            <a:schemeClr val="lt1"/>
+          </a:fontRef>
+        </p:style>
+        <p:txBody>
+          <a:bodyPr rtlCol="0" anchor="ctr"/>
+          <a:lstStyle/>
+          <a:p>
+            <a:pPr algn="ctr"/>
+            <a:r>
+              <a:rPr lang="en-US" altLang="ko-KR" sz="800" dirty="0">
+                <a:solidFill>
+                  <a:schemeClr val="tx1"/>
+                </a:solidFill>
+              </a:rPr>
+              <a:t>Process</a:t>
+            </a:r>
+            <a:endParaRPr lang="ko-KR" altLang="en-US" sz="800" dirty="0">
+              <a:solidFill>
+                <a:schemeClr val="tx1"/>
+              </a:solidFill>
+            </a:endParaRPr>
+          </a:p>
+        </p:txBody>
+      </p:sp>
+      <p:sp>
+        <p:nvSpPr>
+          <p:cNvPr id="92" name="순서도: 처리 91">
+            <a:extLst>
+              <a:ext uri="{FF2B5EF4-FFF2-40B4-BE49-F238E27FC236}">
+                <a16:creationId xmlns:a16="http://schemas.microsoft.com/office/drawing/2014/main" id="{BF0C04A5-86C8-47D1-A466-FA2521EE0C08}"/>
+              </a:ext>
+            </a:extLst>
+          </p:cNvPr>
+          <p:cNvSpPr/>
+          <p:nvPr/>
+        </p:nvSpPr>
+        <p:spPr>
+          <a:xfrm>
+            <a:off x="5365694" y="3930588"/>
+            <a:ext cx="1008112" cy="245348"/>
+          </a:xfrm>
+          <a:prstGeom prst="flowChartProcess">
+            <a:avLst/>
+          </a:prstGeom>
+          <a:solidFill>
+            <a:schemeClr val="bg1"/>
+          </a:solidFill>
+          <a:ln w="19050">
+            <a:solidFill>
+              <a:schemeClr val="tx1">
+                <a:lumMod val="75000"/>
+                <a:lumOff val="25000"/>
+              </a:schemeClr>
+            </a:solidFill>
+          </a:ln>
+        </p:spPr>
+        <p:style>
+          <a:lnRef idx="2">
+            <a:schemeClr val="accent1">
+              <a:shade val="50000"/>
+            </a:schemeClr>
+          </a:lnRef>
+          <a:fillRef idx="1">
+            <a:schemeClr val="accent1"/>
+          </a:fillRef>
+          <a:effectRef idx="0">
+            <a:schemeClr val="accent1"/>
+          </a:effectRef>
+          <a:fontRef idx="minor">
+            <a:schemeClr val="lt1"/>
+          </a:fontRef>
+        </p:style>
+        <p:txBody>
+          <a:bodyPr rtlCol="0" anchor="ctr"/>
+          <a:lstStyle/>
+          <a:p>
+            <a:pPr algn="ctr"/>
+            <a:r>
+              <a:rPr lang="en-US" altLang="ko-KR" sz="800" dirty="0">
+                <a:solidFill>
+                  <a:schemeClr val="tx1"/>
+                </a:solidFill>
+              </a:rPr>
+              <a:t>Process</a:t>
+            </a:r>
+            <a:endParaRPr lang="ko-KR" altLang="en-US" sz="800" dirty="0">
+              <a:solidFill>
+                <a:schemeClr val="tx1"/>
+              </a:solidFill>
+            </a:endParaRPr>
+          </a:p>
+        </p:txBody>
+      </p:sp>
+      <p:sp>
+        <p:nvSpPr>
+          <p:cNvPr id="102" name="순서도: 연결자 101">
+            <a:extLst>
+              <a:ext uri="{FF2B5EF4-FFF2-40B4-BE49-F238E27FC236}">
+                <a16:creationId xmlns:a16="http://schemas.microsoft.com/office/drawing/2014/main" id="{765F2BDE-2EA3-4C11-94BC-B9A327D190A2}"/>
+              </a:ext>
+            </a:extLst>
+          </p:cNvPr>
+          <p:cNvSpPr/>
+          <p:nvPr/>
+        </p:nvSpPr>
+        <p:spPr>
+          <a:xfrm flipV="1">
+            <a:off x="4716567" y="3948236"/>
+            <a:ext cx="220681" cy="213440"/>
+          </a:xfrm>
+          <a:prstGeom prst="flowChartConnector">
+            <a:avLst/>
+          </a:prstGeom>
+          <a:solidFill>
+            <a:schemeClr val="tx1"/>
+          </a:solidFill>
+          <a:ln w="19050">
+            <a:noFill/>
+          </a:ln>
+        </p:spPr>
+        <p:style>
+          <a:lnRef idx="2">
+            <a:schemeClr val="accent1">
+              <a:shade val="50000"/>
+            </a:schemeClr>
+          </a:lnRef>
+          <a:fillRef idx="1">
+            <a:schemeClr val="accent1"/>
+          </a:fillRef>
+          <a:effectRef idx="0">
+            <a:schemeClr val="accent1"/>
+          </a:effectRef>
+          <a:fontRef idx="minor">
+            <a:schemeClr val="lt1"/>
+          </a:fontRef>
+        </p:style>
+        <p:txBody>
+          <a:bodyPr rtlCol="0" anchor="ctr"/>
+          <a:lstStyle/>
+          <a:p>
+            <a:pPr algn="ctr"/>
+            <a:endParaRPr lang="ko-KR" altLang="en-US" sz="800" dirty="0">
+              <a:solidFill>
+                <a:schemeClr val="tx1"/>
+              </a:solidFill>
+            </a:endParaRPr>
+          </a:p>
+        </p:txBody>
+      </p:sp>
+      <p:cxnSp>
+        <p:nvCxnSpPr>
+          <p:cNvPr id="108" name="직선 화살표 연결선 107">
+            <a:extLst>
+              <a:ext uri="{FF2B5EF4-FFF2-40B4-BE49-F238E27FC236}">
+                <a16:creationId xmlns:a16="http://schemas.microsoft.com/office/drawing/2014/main" id="{ADC20F90-A489-4328-9320-03D4106175C8}"/>
+              </a:ext>
+            </a:extLst>
+          </p:cNvPr>
+          <p:cNvCxnSpPr>
+            <a:cxnSpLocks/>
+            <a:stCxn id="64" idx="3"/>
+            <a:endCxn id="102" idx="2"/>
+          </p:cNvCxnSpPr>
+          <p:nvPr/>
+        </p:nvCxnSpPr>
+        <p:spPr>
+          <a:xfrm flipV="1">
+            <a:off x="4182675" y="4054956"/>
+            <a:ext cx="533892" cy="774"/>
+          </a:xfrm>
+          <a:prstGeom prst="straightConnector1">
+            <a:avLst/>
+          </a:prstGeom>
+          <a:ln>
+            <a:solidFill>
+              <a:schemeClr val="tx1">
+                <a:lumMod val="75000"/>
+                <a:lumOff val="25000"/>
+              </a:schemeClr>
+            </a:solidFill>
+            <a:headEnd type="oval" w="med" len="med"/>
+            <a:tailEnd type="arrow" w="sm" len="sm"/>
+          </a:ln>
+        </p:spPr>
+        <p:style>
+          <a:lnRef idx="1">
+            <a:schemeClr val="accent1"/>
+          </a:lnRef>
+          <a:fillRef idx="0">
+            <a:schemeClr val="accent1"/>
+          </a:fillRef>
+          <a:effectRef idx="0">
+            <a:schemeClr val="accent1"/>
+          </a:effectRef>
+          <a:fontRef idx="minor">
+            <a:schemeClr val="tx1"/>
+          </a:fontRef>
+        </p:style>
+      </p:cxnSp>
+      <p:cxnSp>
+        <p:nvCxnSpPr>
+          <p:cNvPr id="111" name="연결선: 꺾임 110">
+            <a:extLst>
+              <a:ext uri="{FF2B5EF4-FFF2-40B4-BE49-F238E27FC236}">
+                <a16:creationId xmlns:a16="http://schemas.microsoft.com/office/drawing/2014/main" id="{3DF0B075-9EA2-47FF-974E-B9924014A3CF}"/>
+              </a:ext>
+            </a:extLst>
+          </p:cNvPr>
+          <p:cNvCxnSpPr>
+            <a:cxnSpLocks/>
+            <a:stCxn id="102" idx="6"/>
+            <a:endCxn id="68" idx="1"/>
+          </p:cNvCxnSpPr>
+          <p:nvPr/>
+        </p:nvCxnSpPr>
+        <p:spPr>
+          <a:xfrm flipV="1">
+            <a:off x="4937248" y="1463442"/>
+            <a:ext cx="429562" cy="2591514"/>
+          </a:xfrm>
+          <a:prstGeom prst="bentConnector3">
+            <a:avLst>
+              <a:gd name="adj1" fmla="val 50000"/>
+            </a:avLst>
+          </a:prstGeom>
+          <a:ln>
+            <a:solidFill>
+              <a:schemeClr val="tx1">
+                <a:lumMod val="75000"/>
+                <a:lumOff val="25000"/>
+              </a:schemeClr>
+            </a:solidFill>
+            <a:headEnd type="oval" w="med" len="med"/>
+            <a:tailEnd type="arrow" w="sm" len="sm"/>
+          </a:ln>
+        </p:spPr>
+        <p:style>
+          <a:lnRef idx="1">
+            <a:schemeClr val="accent1"/>
+          </a:lnRef>
+          <a:fillRef idx="0">
+            <a:schemeClr val="accent1"/>
+          </a:fillRef>
+          <a:effectRef idx="0">
+            <a:schemeClr val="accent1"/>
+          </a:effectRef>
+          <a:fontRef idx="minor">
+            <a:schemeClr val="tx1"/>
+          </a:fontRef>
+        </p:style>
+      </p:cxnSp>
+      <p:cxnSp>
+        <p:nvCxnSpPr>
+          <p:cNvPr id="114" name="직선 화살표 연결선 113">
+            <a:extLst>
+              <a:ext uri="{FF2B5EF4-FFF2-40B4-BE49-F238E27FC236}">
+                <a16:creationId xmlns:a16="http://schemas.microsoft.com/office/drawing/2014/main" id="{77B688C4-B4FF-4E64-AE28-6708CBADC33A}"/>
+              </a:ext>
+            </a:extLst>
+          </p:cNvPr>
+          <p:cNvCxnSpPr>
+            <a:cxnSpLocks/>
+            <a:stCxn id="68" idx="2"/>
+            <a:endCxn id="80" idx="0"/>
+          </p:cNvCxnSpPr>
+          <p:nvPr/>
+        </p:nvCxnSpPr>
+        <p:spPr>
+          <a:xfrm flipH="1">
+            <a:off x="5869750" y="1586116"/>
+            <a:ext cx="1116" cy="186700"/>
+          </a:xfrm>
+          <a:prstGeom prst="straightConnector1">
+            <a:avLst/>
+          </a:prstGeom>
+          <a:ln>
+            <a:solidFill>
+              <a:schemeClr val="tx1">
+                <a:lumMod val="75000"/>
+                <a:lumOff val="25000"/>
+              </a:schemeClr>
+            </a:solidFill>
+            <a:headEnd type="oval" w="med" len="med"/>
+            <a:tailEnd type="arrow" w="sm" len="sm"/>
+          </a:ln>
+        </p:spPr>
+        <p:style>
+          <a:lnRef idx="1">
+            <a:schemeClr val="accent1"/>
+          </a:lnRef>
+          <a:fillRef idx="0">
+            <a:schemeClr val="accent1"/>
+          </a:fillRef>
+          <a:effectRef idx="0">
+            <a:schemeClr val="accent1"/>
+          </a:effectRef>
+          <a:fontRef idx="minor">
+            <a:schemeClr val="tx1"/>
+          </a:fontRef>
+        </p:style>
+      </p:cxnSp>
+      <p:cxnSp>
+        <p:nvCxnSpPr>
+          <p:cNvPr id="115" name="직선 화살표 연결선 114">
+            <a:extLst>
+              <a:ext uri="{FF2B5EF4-FFF2-40B4-BE49-F238E27FC236}">
+                <a16:creationId xmlns:a16="http://schemas.microsoft.com/office/drawing/2014/main" id="{FB6EFE39-B431-4B5A-8F10-3CA6F8183EEB}"/>
+              </a:ext>
+            </a:extLst>
+          </p:cNvPr>
+          <p:cNvCxnSpPr>
+            <a:cxnSpLocks/>
+            <a:stCxn id="90" idx="2"/>
+            <a:endCxn id="91" idx="0"/>
+          </p:cNvCxnSpPr>
+          <p:nvPr/>
+        </p:nvCxnSpPr>
+        <p:spPr>
+          <a:xfrm>
+            <a:off x="5869750" y="2882260"/>
+            <a:ext cx="0" cy="186700"/>
+          </a:xfrm>
+          <a:prstGeom prst="straightConnector1">
+            <a:avLst/>
+          </a:prstGeom>
+          <a:ln>
+            <a:solidFill>
+              <a:schemeClr val="tx1">
+                <a:lumMod val="75000"/>
+                <a:lumOff val="25000"/>
+              </a:schemeClr>
+            </a:solidFill>
+            <a:headEnd type="oval" w="med" len="med"/>
+            <a:tailEnd type="arrow" w="sm" len="sm"/>
+          </a:ln>
+        </p:spPr>
+        <p:style>
+          <a:lnRef idx="1">
+            <a:schemeClr val="accent1"/>
+          </a:lnRef>
+          <a:fillRef idx="0">
+            <a:schemeClr val="accent1"/>
+          </a:fillRef>
+          <a:effectRef idx="0">
+            <a:schemeClr val="accent1"/>
+          </a:effectRef>
+          <a:fontRef idx="minor">
+            <a:schemeClr val="tx1"/>
+          </a:fontRef>
+        </p:style>
+      </p:cxnSp>
+      <p:cxnSp>
+        <p:nvCxnSpPr>
+          <p:cNvPr id="116" name="직선 화살표 연결선 115">
+            <a:extLst>
+              <a:ext uri="{FF2B5EF4-FFF2-40B4-BE49-F238E27FC236}">
+                <a16:creationId xmlns:a16="http://schemas.microsoft.com/office/drawing/2014/main" id="{F0F1D626-4190-4E9A-9718-2B44F7FA81C6}"/>
+              </a:ext>
+            </a:extLst>
+          </p:cNvPr>
+          <p:cNvCxnSpPr>
+            <a:cxnSpLocks/>
+            <a:stCxn id="91" idx="2"/>
+            <a:endCxn id="92" idx="0"/>
+          </p:cNvCxnSpPr>
+          <p:nvPr/>
+        </p:nvCxnSpPr>
+        <p:spPr>
+          <a:xfrm>
+            <a:off x="5869750" y="3314308"/>
+            <a:ext cx="0" cy="616280"/>
+          </a:xfrm>
+          <a:prstGeom prst="straightConnector1">
+            <a:avLst/>
+          </a:prstGeom>
+          <a:ln>
+            <a:solidFill>
+              <a:schemeClr val="tx1">
+                <a:lumMod val="75000"/>
+                <a:lumOff val="25000"/>
+              </a:schemeClr>
+            </a:solidFill>
+            <a:headEnd type="oval" w="med" len="med"/>
+            <a:tailEnd type="arrow" w="sm" len="sm"/>
+          </a:ln>
+        </p:spPr>
+        <p:style>
+          <a:lnRef idx="1">
+            <a:schemeClr val="accent1"/>
+          </a:lnRef>
+          <a:fillRef idx="0">
+            <a:schemeClr val="accent1"/>
+          </a:fillRef>
+          <a:effectRef idx="0">
+            <a:schemeClr val="accent1"/>
+          </a:effectRef>
+          <a:fontRef idx="minor">
+            <a:schemeClr val="tx1"/>
+          </a:fontRef>
+        </p:style>
+      </p:cxnSp>
+      <p:cxnSp>
+        <p:nvCxnSpPr>
+          <p:cNvPr id="122" name="직선 화살표 연결선 121">
+            <a:extLst>
+              <a:ext uri="{FF2B5EF4-FFF2-40B4-BE49-F238E27FC236}">
+                <a16:creationId xmlns:a16="http://schemas.microsoft.com/office/drawing/2014/main" id="{B2F6C655-A117-4B6F-8B49-D588A28F2E32}"/>
+              </a:ext>
+            </a:extLst>
+          </p:cNvPr>
+          <p:cNvCxnSpPr>
+            <a:cxnSpLocks/>
+            <a:stCxn id="80" idx="2"/>
+            <a:endCxn id="90" idx="0"/>
+          </p:cNvCxnSpPr>
+          <p:nvPr/>
+        </p:nvCxnSpPr>
+        <p:spPr>
+          <a:xfrm>
+            <a:off x="5869750" y="2018164"/>
+            <a:ext cx="0" cy="618748"/>
+          </a:xfrm>
+          <a:prstGeom prst="straightConnector1">
+            <a:avLst/>
+          </a:prstGeom>
+          <a:ln>
+            <a:solidFill>
+              <a:schemeClr val="tx1">
+                <a:lumMod val="75000"/>
+                <a:lumOff val="25000"/>
+              </a:schemeClr>
+            </a:solidFill>
+            <a:headEnd type="oval" w="med" len="med"/>
+            <a:tailEnd type="arrow" w="sm" len="sm"/>
+          </a:ln>
+        </p:spPr>
+        <p:style>
+          <a:lnRef idx="1">
+            <a:schemeClr val="accent1"/>
+          </a:lnRef>
+          <a:fillRef idx="0">
+            <a:schemeClr val="accent1"/>
+          </a:fillRef>
+          <a:effectRef idx="0">
+            <a:schemeClr val="accent1"/>
+          </a:effectRef>
+          <a:fontRef idx="minor">
+            <a:schemeClr val="tx1"/>
+          </a:fontRef>
+        </p:style>
+      </p:cxnSp>
+      <p:sp>
+        <p:nvSpPr>
+          <p:cNvPr id="129" name="순서도: 처리 128">
+            <a:extLst>
+              <a:ext uri="{FF2B5EF4-FFF2-40B4-BE49-F238E27FC236}">
+                <a16:creationId xmlns:a16="http://schemas.microsoft.com/office/drawing/2014/main" id="{C5E0E7F1-6CB3-4F14-89CD-58EA151B0DEA}"/>
+              </a:ext>
+            </a:extLst>
+          </p:cNvPr>
+          <p:cNvSpPr/>
+          <p:nvPr/>
+        </p:nvSpPr>
+        <p:spPr>
+          <a:xfrm>
+            <a:off x="7536160" y="1340768"/>
+            <a:ext cx="1008112" cy="245348"/>
+          </a:xfrm>
+          <a:prstGeom prst="flowChartProcess">
+            <a:avLst/>
+          </a:prstGeom>
+          <a:solidFill>
+            <a:schemeClr val="bg1"/>
+          </a:solidFill>
+          <a:ln w="19050">
+            <a:solidFill>
+              <a:schemeClr val="tx1">
+                <a:lumMod val="75000"/>
+                <a:lumOff val="25000"/>
+              </a:schemeClr>
+            </a:solidFill>
+          </a:ln>
+        </p:spPr>
+        <p:style>
+          <a:lnRef idx="2">
+            <a:schemeClr val="accent1">
+              <a:shade val="50000"/>
+            </a:schemeClr>
+          </a:lnRef>
+          <a:fillRef idx="1">
+            <a:schemeClr val="accent1"/>
+          </a:fillRef>
+          <a:effectRef idx="0">
+            <a:schemeClr val="accent1"/>
+          </a:effectRef>
+          <a:fontRef idx="minor">
+            <a:schemeClr val="lt1"/>
+          </a:fontRef>
+        </p:style>
+        <p:txBody>
+          <a:bodyPr rtlCol="0" anchor="ctr"/>
+          <a:lstStyle/>
+          <a:p>
+            <a:pPr algn="ctr"/>
+            <a:r>
+              <a:rPr lang="en-US" altLang="ko-KR" sz="800" dirty="0">
+                <a:solidFill>
+                  <a:schemeClr val="tx1"/>
+                </a:solidFill>
+              </a:rPr>
+              <a:t>Process</a:t>
+            </a:r>
+            <a:endParaRPr lang="ko-KR" altLang="en-US" sz="800" dirty="0">
+              <a:solidFill>
+                <a:schemeClr val="tx1"/>
+              </a:solidFill>
+            </a:endParaRPr>
+          </a:p>
+        </p:txBody>
+      </p:sp>
+      <p:cxnSp>
+        <p:nvCxnSpPr>
+          <p:cNvPr id="131" name="연결선: 꺾임 130">
+            <a:extLst>
+              <a:ext uri="{FF2B5EF4-FFF2-40B4-BE49-F238E27FC236}">
+                <a16:creationId xmlns:a16="http://schemas.microsoft.com/office/drawing/2014/main" id="{B5AC9210-77F4-4E89-88B6-3C03C5E93744}"/>
+              </a:ext>
+            </a:extLst>
+          </p:cNvPr>
+          <p:cNvCxnSpPr>
+            <a:cxnSpLocks/>
+            <a:stCxn id="92" idx="3"/>
+            <a:endCxn id="129" idx="1"/>
+          </p:cNvCxnSpPr>
+          <p:nvPr/>
+        </p:nvCxnSpPr>
+        <p:spPr>
+          <a:xfrm flipV="1">
+            <a:off x="6373806" y="1463442"/>
+            <a:ext cx="1162354" cy="2589820"/>
+          </a:xfrm>
+          <a:prstGeom prst="bentConnector3">
+            <a:avLst>
+              <a:gd name="adj1" fmla="val 80156"/>
+            </a:avLst>
+          </a:prstGeom>
+          <a:ln>
+            <a:solidFill>
+              <a:schemeClr val="tx1">
+                <a:lumMod val="75000"/>
+                <a:lumOff val="25000"/>
+              </a:schemeClr>
+            </a:solidFill>
+            <a:headEnd type="oval" w="med" len="med"/>
+            <a:tailEnd type="arrow" w="sm" len="sm"/>
+          </a:ln>
+        </p:spPr>
+        <p:style>
+          <a:lnRef idx="1">
+            <a:schemeClr val="accent1"/>
+          </a:lnRef>
+          <a:fillRef idx="0">
+            <a:schemeClr val="accent1"/>
+          </a:fillRef>
+          <a:effectRef idx="0">
+            <a:schemeClr val="accent1"/>
+          </a:effectRef>
+          <a:fontRef idx="minor">
+            <a:schemeClr val="tx1"/>
+          </a:fontRef>
+        </p:style>
+      </p:cxnSp>
+      <p:cxnSp>
+        <p:nvCxnSpPr>
+          <p:cNvPr id="135" name="직선 화살표 연결선 134">
+            <a:extLst>
+              <a:ext uri="{FF2B5EF4-FFF2-40B4-BE49-F238E27FC236}">
+                <a16:creationId xmlns:a16="http://schemas.microsoft.com/office/drawing/2014/main" id="{5BF4D991-F29C-40EB-B5CA-AFEF2A972045}"/>
+              </a:ext>
+            </a:extLst>
+          </p:cNvPr>
+          <p:cNvCxnSpPr>
+            <a:cxnSpLocks/>
+            <a:stCxn id="129" idx="2"/>
+            <a:endCxn id="41" idx="0"/>
+          </p:cNvCxnSpPr>
+          <p:nvPr/>
+        </p:nvCxnSpPr>
+        <p:spPr>
+          <a:xfrm>
+            <a:off x="8040216" y="1586116"/>
+            <a:ext cx="0" cy="186700"/>
+          </a:xfrm>
+          <a:prstGeom prst="straightConnector1">
+            <a:avLst/>
+          </a:prstGeom>
+          <a:ln>
+            <a:solidFill>
+              <a:schemeClr val="tx1">
+                <a:lumMod val="75000"/>
+                <a:lumOff val="25000"/>
+              </a:schemeClr>
+            </a:solidFill>
+            <a:headEnd type="oval" w="med" len="med"/>
+            <a:tailEnd type="arrow" w="sm" len="sm"/>
+          </a:ln>
+        </p:spPr>
+        <p:style>
+          <a:lnRef idx="1">
+            <a:schemeClr val="accent1"/>
+          </a:lnRef>
+          <a:fillRef idx="0">
+            <a:schemeClr val="accent1"/>
+          </a:fillRef>
+          <a:effectRef idx="0">
+            <a:schemeClr val="accent1"/>
+          </a:effectRef>
+          <a:fontRef idx="minor">
+            <a:schemeClr val="tx1"/>
+          </a:fontRef>
+        </p:style>
+      </p:cxnSp>
+      <p:sp>
+        <p:nvSpPr>
+          <p:cNvPr id="138" name="직사각형 137">
+            <a:extLst>
+              <a:ext uri="{FF2B5EF4-FFF2-40B4-BE49-F238E27FC236}">
+                <a16:creationId xmlns:a16="http://schemas.microsoft.com/office/drawing/2014/main" id="{67AF5BC9-6B21-4D64-96A5-A1A3444E5C3B}"/>
+              </a:ext>
+            </a:extLst>
+          </p:cNvPr>
+          <p:cNvSpPr/>
+          <p:nvPr/>
+        </p:nvSpPr>
+        <p:spPr>
+          <a:xfrm>
+            <a:off x="4540766" y="4124923"/>
+            <a:ext cx="567784" cy="215444"/>
+          </a:xfrm>
+          <a:prstGeom prst="rect">
+            <a:avLst/>
+          </a:prstGeom>
+        </p:spPr>
+        <p:txBody>
+          <a:bodyPr wrap="none">
+            <a:spAutoFit/>
+          </a:bodyPr>
+          <a:lstStyle/>
+          <a:p>
+            <a:r>
+              <a:rPr lang="en-US" altLang="ko-KR" sz="800" dirty="0"/>
+              <a:t>Connect</a:t>
+            </a:r>
+            <a:endParaRPr lang="ko-KR" altLang="en-US" sz="800" dirty="0"/>
+          </a:p>
+        </p:txBody>
+      </p:sp>
+      <p:sp>
+        <p:nvSpPr>
+          <p:cNvPr id="139" name="TextBox 138">
+            <a:extLst>
+              <a:ext uri="{FF2B5EF4-FFF2-40B4-BE49-F238E27FC236}">
+                <a16:creationId xmlns:a16="http://schemas.microsoft.com/office/drawing/2014/main" id="{019DD9D0-C87E-43B8-8B11-2D13E82FE4B0}"/>
+              </a:ext>
+            </a:extLst>
+          </p:cNvPr>
+          <p:cNvSpPr txBox="1"/>
+          <p:nvPr/>
+        </p:nvSpPr>
+        <p:spPr>
+          <a:xfrm>
+            <a:off x="11780252" y="106980"/>
+            <a:ext cx="248786" cy="230832"/>
+          </a:xfrm>
+          <a:prstGeom prst="rect">
+            <a:avLst/>
+          </a:prstGeom>
+          <a:noFill/>
+        </p:spPr>
+        <p:txBody>
+          <a:bodyPr wrap="none" rtlCol="0">
+            <a:spAutoFit/>
+          </a:bodyPr>
+          <a:lstStyle/>
+          <a:p>
+            <a:fld id="{944918D1-1C8F-48E6-92D4-4089F97E8793}" type="slidenum">
+              <a:rPr lang="ko-KR" altLang="en-US" sz="900" smtClean="0"/>
+              <a:t>2</a:t>
+            </a:fld>
+            <a:endParaRPr lang="ko-KR" altLang="en-US" sz="900" dirty="0"/>
+          </a:p>
+        </p:txBody>
+      </p:sp>
+    </p:spTree>
+    <p:extLst>
+      <p:ext uri="{BB962C8B-B14F-4D97-AF65-F5344CB8AC3E}">
+        <p14:creationId xmlns:p14="http://schemas.microsoft.com/office/powerpoint/2010/main" val="2688285372"/>
+      </p:ext>
+    </p:extLst>
+  </p:cSld>
+  <p:clrMapOvr>
+    <a:masterClrMapping/>
+  </p:clrMapOvr>
+</p:sld>
+</file>
+
+<file path=ppt/slides/slide3.xml><?xml version="1.0" encoding="utf-8"?>
+<p:sld xmlns:a="http://schemas.openxmlformats.org/drawingml/2006/main" xmlns:r="http://schemas.openxmlformats.org/officeDocument/2006/relationships" xmlns:p="http://schemas.openxmlformats.org/presentationml/2006/main">
+  <p:cSld>
+    <p:spTree>
+      <p:nvGrpSpPr>
+        <p:cNvPr id="1" name=""/>
+        <p:cNvGrpSpPr/>
+        <p:nvPr/>
+      </p:nvGrpSpPr>
+      <p:grpSpPr>
+        <a:xfrm>
+          <a:off x="0" y="0"/>
+          <a:ext cx="0" cy="0"/>
+          <a:chOff x="0" y="0"/>
+          <a:chExt cx="0" cy="0"/>
+        </a:xfrm>
+      </p:grpSpPr>
+      <p:sp>
+        <p:nvSpPr>
+          <p:cNvPr id="2" name="제목 1">
+            <a:extLst>
+              <a:ext uri="{FF2B5EF4-FFF2-40B4-BE49-F238E27FC236}">
+                <a16:creationId xmlns:a16="http://schemas.microsoft.com/office/drawing/2014/main" id="{719F2D03-4DCC-42DA-95ED-B3FF360D7F63}"/>
+              </a:ext>
+            </a:extLst>
+          </p:cNvPr>
+          <p:cNvSpPr>
+            <a:spLocks noGrp="1"/>
+          </p:cNvSpPr>
+          <p:nvPr>
+            <p:ph type="title"/>
+          </p:nvPr>
+        </p:nvSpPr>
+        <p:spPr/>
+        <p:txBody>
+          <a:bodyPr/>
+          <a:lstStyle/>
+          <a:p>
+            <a:r>
+              <a:rPr lang="en-US" altLang="ko-KR" dirty="0"/>
+              <a:t>User flow</a:t>
+            </a:r>
+            <a:endParaRPr lang="ko-KR" altLang="en-US" dirty="0"/>
+          </a:p>
+        </p:txBody>
+      </p:sp>
       <p:graphicFrame>
         <p:nvGraphicFramePr>
           <p:cNvPr id="3" name="표 2">
@@ -10995,7 +13956,7 @@
           <a:p>
             <a:fld id="{944918D1-1C8F-48E6-92D4-4089F97E8793}" type="slidenum">
               <a:rPr lang="ko-KR" altLang="en-US" sz="900" smtClean="0"/>
-              <a:t>2</a:t>
+              <a:t>3</a:t>
             </a:fld>
             <a:endParaRPr lang="ko-KR" altLang="en-US" sz="900" dirty="0"/>
           </a:p>
@@ -11004,7 +13965,7 @@
     </p:spTree>
     <p:extLst>
       <p:ext uri="{BB962C8B-B14F-4D97-AF65-F5344CB8AC3E}">
-        <p14:creationId xmlns:p14="http://schemas.microsoft.com/office/powerpoint/2010/main" val="2688285372"/>
+        <p14:creationId xmlns:p14="http://schemas.microsoft.com/office/powerpoint/2010/main" val="2008798392"/>
       </p:ext>
     </p:extLst>
   </p:cSld>
@@ -11014,7 +13975,7 @@
 </p:sld>
 </file>
 
-<file path=ppt/slides/slide3.xml><?xml version="1.0" encoding="utf-8"?>
+<file path=ppt/slides/slide4.xml><?xml version="1.0" encoding="utf-8"?>
 <p:sld xmlns:a="http://schemas.openxmlformats.org/drawingml/2006/main" xmlns:r="http://schemas.openxmlformats.org/officeDocument/2006/relationships" xmlns:p="http://schemas.openxmlformats.org/presentationml/2006/main">
   <p:cSld>
     <p:spTree>
@@ -14314,7 +17275,7 @@
 </p:sld>
 </file>
 
-<file path=ppt/slides/slide4.xml><?xml version="1.0" encoding="utf-8"?>
+<file path=ppt/slides/slide5.xml><?xml version="1.0" encoding="utf-8"?>
 <p:sld xmlns:a="http://schemas.openxmlformats.org/drawingml/2006/main" xmlns:r="http://schemas.openxmlformats.org/officeDocument/2006/relationships" xmlns:p="http://schemas.openxmlformats.org/presentationml/2006/main">
   <p:cSld>
     <p:spTree>
@@ -14394,7 +17355,7 @@
 </p:sld>
 </file>
 
-<file path=ppt/slides/slide5.xml><?xml version="1.0" encoding="utf-8"?>
+<file path=ppt/slides/slide6.xml><?xml version="1.0" encoding="utf-8"?>
 <p:sld xmlns:a="http://schemas.openxmlformats.org/drawingml/2006/main" xmlns:r="http://schemas.openxmlformats.org/officeDocument/2006/relationships" xmlns:p="http://schemas.openxmlformats.org/presentationml/2006/main">
   <p:cSld>
     <p:spTree>
@@ -15923,7 +18884,7 @@
           <a:p>
             <a:fld id="{944918D1-1C8F-48E6-92D4-4089F97E8793}" type="slidenum">
               <a:rPr lang="ko-KR" altLang="en-US" sz="900" smtClean="0"/>
-              <a:t>5</a:t>
+              <a:t>6</a:t>
             </a:fld>
             <a:endParaRPr lang="ko-KR" altLang="en-US" sz="900" dirty="0"/>
           </a:p>
